--- a/report/RenttheRunwayRecommendationsPresentation.pptx
+++ b/report/RenttheRunwayRecommendationsPresentation.pptx
@@ -114,6 +114,11 @@
       </a:defRPr>
     </a:lvl9pPr>
   </p:defaultTextStyle>
+  <p:extLst>
+    <p:ext uri="{EFAFB233-063F-42B5-8137-9DF3F51BA10A}">
+      <p15:sldGuideLst xmlns:p15="http://schemas.microsoft.com/office/powerpoint/2012/main"/>
+    </p:ext>
+  </p:extLst>
 </p:presentation>
 </file>
 
@@ -5460,8 +5465,8 @@
         </p:nvSpPr>
         <p:spPr>
           <a:xfrm>
-            <a:off x="430305" y="1825625"/>
-            <a:ext cx="5589495" cy="4351338"/>
+            <a:off x="430305" y="3028561"/>
+            <a:ext cx="5589495" cy="3148401"/>
           </a:xfrm>
         </p:spPr>
         <p:txBody>
@@ -5470,16 +5475,27 @@
           </a:bodyPr>
           <a:lstStyle/>
           <a:p>
+            <a:pPr marL="0" indent="0">
+              <a:buNone/>
+            </a:pPr>
+            <a:endParaRPr lang="en-US" dirty="0"/>
+          </a:p>
+          <a:p>
             <a:r>
               <a:rPr lang="en-US" dirty="0"/>
-              <a:t>We leveraged a supervised machine learning model to build </a:t>
-            </a:r>
-          </a:p>
-          <a:p>
+              <a:t>We leverage a supervised </a:t>
+            </a:r>
+            <a:r>
+              <a:rPr lang="en-US" dirty="0" err="1"/>
+              <a:t>XGBoost</a:t>
+            </a:r>
             <a:r>
               <a:rPr lang="en-US" dirty="0"/>
-              <a:t>Content Based</a:t>
-            </a:r>
+              <a:t> model to build our recommender</a:t>
+            </a:r>
+          </a:p>
+          <a:p>
+            <a:endParaRPr lang="en-US" dirty="0"/>
           </a:p>
         </p:txBody>
       </p:sp>
@@ -5499,8 +5515,8 @@
         </p:nvSpPr>
         <p:spPr>
           <a:xfrm>
-            <a:off x="6172200" y="1825625"/>
-            <a:ext cx="5589495" cy="4351338"/>
+            <a:off x="6172200" y="2950323"/>
+            <a:ext cx="5589495" cy="3226639"/>
           </a:xfrm>
           <a:prstGeom prst="rect">
             <a:avLst/>
@@ -5675,6 +5691,12 @@
             </a:lvl9pPr>
           </a:lstStyle>
           <a:p>
+            <a:pPr marL="0" indent="0">
+              <a:buNone/>
+            </a:pPr>
+            <a:endParaRPr lang="en-US" dirty="0"/>
+          </a:p>
+          <a:p>
             <a:r>
               <a:rPr lang="en-US" dirty="0"/>
               <a:t>We process the data</a:t>
@@ -5684,6 +5706,881 @@
             <a:r>
               <a:rPr lang="en-US" dirty="0"/>
               <a:t>TODO: insert diagram</a:t>
+            </a:r>
+          </a:p>
+        </p:txBody>
+      </p:sp>
+      <p:grpSp>
+        <p:nvGrpSpPr>
+          <p:cNvPr id="2" name="Group 1">
+            <a:extLst>
+              <a:ext uri="{FF2B5EF4-FFF2-40B4-BE49-F238E27FC236}">
+                <a16:creationId xmlns:a16="http://schemas.microsoft.com/office/drawing/2014/main" id="{5DBB19CA-1728-E7C7-6608-F8B5427D0572}"/>
+              </a:ext>
+            </a:extLst>
+          </p:cNvPr>
+          <p:cNvGrpSpPr/>
+          <p:nvPr/>
+        </p:nvGrpSpPr>
+        <p:grpSpPr>
+          <a:xfrm>
+            <a:off x="433742" y="2062445"/>
+            <a:ext cx="11324516" cy="548640"/>
+            <a:chOff x="430305" y="2319100"/>
+            <a:chExt cx="11324516" cy="548640"/>
+          </a:xfrm>
+        </p:grpSpPr>
+        <p:sp>
+          <p:nvSpPr>
+            <p:cNvPr id="6" name="Text Placeholder 6">
+              <a:extLst>
+                <a:ext uri="{FF2B5EF4-FFF2-40B4-BE49-F238E27FC236}">
+                  <a16:creationId xmlns:a16="http://schemas.microsoft.com/office/drawing/2014/main" id="{815E13C7-373C-3EB0-521F-F3068773F83D}"/>
+                </a:ext>
+              </a:extLst>
+            </p:cNvPr>
+            <p:cNvSpPr txBox="1">
+              <a:spLocks/>
+            </p:cNvSpPr>
+            <p:nvPr/>
+          </p:nvSpPr>
+          <p:spPr>
+            <a:xfrm>
+              <a:off x="430305" y="2319100"/>
+              <a:ext cx="3793666" cy="548640"/>
+            </a:xfrm>
+            <a:prstGeom prst="rect">
+              <a:avLst/>
+            </a:prstGeom>
+            <a:solidFill>
+              <a:schemeClr val="accent3">
+                <a:lumMod val="60000"/>
+                <a:lumOff val="40000"/>
+              </a:schemeClr>
+            </a:solidFill>
+            <a:ln w="28575">
+              <a:solidFill>
+                <a:schemeClr val="bg1"/>
+              </a:solidFill>
+            </a:ln>
+          </p:spPr>
+          <p:txBody>
+            <a:bodyPr vert="horz" lIns="91440" tIns="45720" rIns="91440" bIns="45720" rtlCol="0" anchor="ctr">
+              <a:noAutofit/>
+            </a:bodyPr>
+            <a:lstStyle>
+              <a:lvl1pPr marL="0" indent="0" algn="l" defTabSz="914400" rtl="0" eaLnBrk="1" latinLnBrk="0" hangingPunct="1">
+                <a:lnSpc>
+                  <a:spcPct val="90000"/>
+                </a:lnSpc>
+                <a:spcBef>
+                  <a:spcPts val="1000"/>
+                </a:spcBef>
+                <a:buFont typeface="Arial" panose="020B0604020202020204" pitchFamily="34" charset="0"/>
+                <a:buNone/>
+                <a:defRPr sz="2400" b="1" kern="1200">
+                  <a:solidFill>
+                    <a:srgbClr val="837D78"/>
+                  </a:solidFill>
+                  <a:latin typeface="Arial" panose="020B0604020202020204" pitchFamily="34" charset="0"/>
+                  <a:ea typeface="+mn-ea"/>
+                  <a:cs typeface="Arial" panose="020B0604020202020204" pitchFamily="34" charset="0"/>
+                </a:defRPr>
+              </a:lvl1pPr>
+              <a:lvl2pPr marL="457200" indent="0" algn="l" defTabSz="914400" rtl="0" eaLnBrk="1" latinLnBrk="0" hangingPunct="1">
+                <a:lnSpc>
+                  <a:spcPct val="90000"/>
+                </a:lnSpc>
+                <a:spcBef>
+                  <a:spcPts val="500"/>
+                </a:spcBef>
+                <a:buFont typeface="Arial" panose="020B0604020202020204" pitchFamily="34" charset="0"/>
+                <a:buNone/>
+                <a:defRPr sz="2000" b="1" kern="1200">
+                  <a:solidFill>
+                    <a:srgbClr val="837D78"/>
+                  </a:solidFill>
+                  <a:latin typeface="Arial" panose="020B0604020202020204" pitchFamily="34" charset="0"/>
+                  <a:ea typeface="+mn-ea"/>
+                  <a:cs typeface="Arial" panose="020B0604020202020204" pitchFamily="34" charset="0"/>
+                </a:defRPr>
+              </a:lvl2pPr>
+              <a:lvl3pPr marL="914400" indent="0" algn="l" defTabSz="914400" rtl="0" eaLnBrk="1" latinLnBrk="0" hangingPunct="1">
+                <a:lnSpc>
+                  <a:spcPct val="90000"/>
+                </a:lnSpc>
+                <a:spcBef>
+                  <a:spcPts val="500"/>
+                </a:spcBef>
+                <a:buFont typeface="Arial" panose="020B0604020202020204" pitchFamily="34" charset="0"/>
+                <a:buNone/>
+                <a:defRPr sz="1800" b="1" kern="1200">
+                  <a:solidFill>
+                    <a:srgbClr val="837D78"/>
+                  </a:solidFill>
+                  <a:latin typeface="Arial" panose="020B0604020202020204" pitchFamily="34" charset="0"/>
+                  <a:ea typeface="+mn-ea"/>
+                  <a:cs typeface="Arial" panose="020B0604020202020204" pitchFamily="34" charset="0"/>
+                </a:defRPr>
+              </a:lvl3pPr>
+              <a:lvl4pPr marL="1371600" indent="0" algn="l" defTabSz="914400" rtl="0" eaLnBrk="1" latinLnBrk="0" hangingPunct="1">
+                <a:lnSpc>
+                  <a:spcPct val="90000"/>
+                </a:lnSpc>
+                <a:spcBef>
+                  <a:spcPts val="500"/>
+                </a:spcBef>
+                <a:buFont typeface="Arial" panose="020B0604020202020204" pitchFamily="34" charset="0"/>
+                <a:buNone/>
+                <a:defRPr sz="1600" b="1" kern="1200">
+                  <a:solidFill>
+                    <a:srgbClr val="837D78"/>
+                  </a:solidFill>
+                  <a:latin typeface="Arial" panose="020B0604020202020204" pitchFamily="34" charset="0"/>
+                  <a:ea typeface="+mn-ea"/>
+                  <a:cs typeface="Arial" panose="020B0604020202020204" pitchFamily="34" charset="0"/>
+                </a:defRPr>
+              </a:lvl4pPr>
+              <a:lvl5pPr marL="1828800" indent="0" algn="l" defTabSz="914400" rtl="0" eaLnBrk="1" latinLnBrk="0" hangingPunct="1">
+                <a:lnSpc>
+                  <a:spcPct val="90000"/>
+                </a:lnSpc>
+                <a:spcBef>
+                  <a:spcPts val="500"/>
+                </a:spcBef>
+                <a:buFont typeface="Arial" panose="020B0604020202020204" pitchFamily="34" charset="0"/>
+                <a:buNone/>
+                <a:defRPr sz="1600" b="1" kern="1200">
+                  <a:solidFill>
+                    <a:srgbClr val="837D78"/>
+                  </a:solidFill>
+                  <a:latin typeface="Arial" panose="020B0604020202020204" pitchFamily="34" charset="0"/>
+                  <a:ea typeface="+mn-ea"/>
+                  <a:cs typeface="Arial" panose="020B0604020202020204" pitchFamily="34" charset="0"/>
+                </a:defRPr>
+              </a:lvl5pPr>
+              <a:lvl6pPr marL="2286000" indent="0" algn="l" defTabSz="914400" rtl="0" eaLnBrk="1" latinLnBrk="0" hangingPunct="1">
+                <a:lnSpc>
+                  <a:spcPct val="90000"/>
+                </a:lnSpc>
+                <a:spcBef>
+                  <a:spcPts val="500"/>
+                </a:spcBef>
+                <a:buFont typeface="Arial" panose="020B0604020202020204" pitchFamily="34" charset="0"/>
+                <a:buNone/>
+                <a:defRPr sz="1600" b="1" kern="1200">
+                  <a:solidFill>
+                    <a:schemeClr val="tx1"/>
+                  </a:solidFill>
+                  <a:latin typeface="+mn-lt"/>
+                  <a:ea typeface="+mn-ea"/>
+                  <a:cs typeface="+mn-cs"/>
+                </a:defRPr>
+              </a:lvl6pPr>
+              <a:lvl7pPr marL="2743200" indent="0" algn="l" defTabSz="914400" rtl="0" eaLnBrk="1" latinLnBrk="0" hangingPunct="1">
+                <a:lnSpc>
+                  <a:spcPct val="90000"/>
+                </a:lnSpc>
+                <a:spcBef>
+                  <a:spcPts val="500"/>
+                </a:spcBef>
+                <a:buFont typeface="Arial" panose="020B0604020202020204" pitchFamily="34" charset="0"/>
+                <a:buNone/>
+                <a:defRPr sz="1600" b="1" kern="1200">
+                  <a:solidFill>
+                    <a:schemeClr val="tx1"/>
+                  </a:solidFill>
+                  <a:latin typeface="+mn-lt"/>
+                  <a:ea typeface="+mn-ea"/>
+                  <a:cs typeface="+mn-cs"/>
+                </a:defRPr>
+              </a:lvl7pPr>
+              <a:lvl8pPr marL="3200400" indent="0" algn="l" defTabSz="914400" rtl="0" eaLnBrk="1" latinLnBrk="0" hangingPunct="1">
+                <a:lnSpc>
+                  <a:spcPct val="90000"/>
+                </a:lnSpc>
+                <a:spcBef>
+                  <a:spcPts val="500"/>
+                </a:spcBef>
+                <a:buFont typeface="Arial" panose="020B0604020202020204" pitchFamily="34" charset="0"/>
+                <a:buNone/>
+                <a:defRPr sz="1600" b="1" kern="1200">
+                  <a:solidFill>
+                    <a:schemeClr val="tx1"/>
+                  </a:solidFill>
+                  <a:latin typeface="+mn-lt"/>
+                  <a:ea typeface="+mn-ea"/>
+                  <a:cs typeface="+mn-cs"/>
+                </a:defRPr>
+              </a:lvl8pPr>
+              <a:lvl9pPr marL="3657600" indent="0" algn="l" defTabSz="914400" rtl="0" eaLnBrk="1" latinLnBrk="0" hangingPunct="1">
+                <a:lnSpc>
+                  <a:spcPct val="90000"/>
+                </a:lnSpc>
+                <a:spcBef>
+                  <a:spcPts val="500"/>
+                </a:spcBef>
+                <a:buFont typeface="Arial" panose="020B0604020202020204" pitchFamily="34" charset="0"/>
+                <a:buNone/>
+                <a:defRPr sz="1600" b="1" kern="1200">
+                  <a:solidFill>
+                    <a:schemeClr val="tx1"/>
+                  </a:solidFill>
+                  <a:latin typeface="+mn-lt"/>
+                  <a:ea typeface="+mn-ea"/>
+                  <a:cs typeface="+mn-cs"/>
+                </a:defRPr>
+              </a:lvl9pPr>
+            </a:lstStyle>
+            <a:p>
+              <a:pPr algn="ctr"/>
+              <a:r>
+                <a:rPr lang="en-US" dirty="0">
+                  <a:solidFill>
+                    <a:schemeClr val="accent5">
+                      <a:lumMod val="75000"/>
+                    </a:schemeClr>
+                  </a:solidFill>
+                </a:rPr>
+                <a:t>Tri-Fold</a:t>
+              </a:r>
+            </a:p>
+          </p:txBody>
+        </p:sp>
+        <p:sp>
+          <p:nvSpPr>
+            <p:cNvPr id="8" name="Text Placeholder 6">
+              <a:extLst>
+                <a:ext uri="{FF2B5EF4-FFF2-40B4-BE49-F238E27FC236}">
+                  <a16:creationId xmlns:a16="http://schemas.microsoft.com/office/drawing/2014/main" id="{821CFC56-D331-CFFA-02F2-A5E574B550B9}"/>
+                </a:ext>
+              </a:extLst>
+            </p:cNvPr>
+            <p:cNvSpPr txBox="1">
+              <a:spLocks/>
+            </p:cNvSpPr>
+            <p:nvPr/>
+          </p:nvSpPr>
+          <p:spPr>
+            <a:xfrm>
+              <a:off x="4223971" y="2319100"/>
+              <a:ext cx="3793666" cy="548640"/>
+            </a:xfrm>
+            <a:prstGeom prst="rect">
+              <a:avLst/>
+            </a:prstGeom>
+            <a:solidFill>
+              <a:schemeClr val="accent3">
+                <a:lumMod val="60000"/>
+                <a:lumOff val="40000"/>
+              </a:schemeClr>
+            </a:solidFill>
+            <a:ln w="28575">
+              <a:solidFill>
+                <a:schemeClr val="bg1"/>
+              </a:solidFill>
+            </a:ln>
+          </p:spPr>
+          <p:txBody>
+            <a:bodyPr vert="horz" lIns="91440" tIns="45720" rIns="91440" bIns="45720" rtlCol="0" anchor="ctr">
+              <a:noAutofit/>
+            </a:bodyPr>
+            <a:lstStyle>
+              <a:lvl1pPr marL="0" indent="0" algn="l" defTabSz="914400" rtl="0" eaLnBrk="1" latinLnBrk="0" hangingPunct="1">
+                <a:lnSpc>
+                  <a:spcPct val="90000"/>
+                </a:lnSpc>
+                <a:spcBef>
+                  <a:spcPts val="1000"/>
+                </a:spcBef>
+                <a:buFont typeface="Arial" panose="020B0604020202020204" pitchFamily="34" charset="0"/>
+                <a:buNone/>
+                <a:defRPr sz="2400" b="1" kern="1200">
+                  <a:solidFill>
+                    <a:srgbClr val="837D78"/>
+                  </a:solidFill>
+                  <a:latin typeface="Arial" panose="020B0604020202020204" pitchFamily="34" charset="0"/>
+                  <a:ea typeface="+mn-ea"/>
+                  <a:cs typeface="Arial" panose="020B0604020202020204" pitchFamily="34" charset="0"/>
+                </a:defRPr>
+              </a:lvl1pPr>
+              <a:lvl2pPr marL="457200" indent="0" algn="l" defTabSz="914400" rtl="0" eaLnBrk="1" latinLnBrk="0" hangingPunct="1">
+                <a:lnSpc>
+                  <a:spcPct val="90000"/>
+                </a:lnSpc>
+                <a:spcBef>
+                  <a:spcPts val="500"/>
+                </a:spcBef>
+                <a:buFont typeface="Arial" panose="020B0604020202020204" pitchFamily="34" charset="0"/>
+                <a:buNone/>
+                <a:defRPr sz="2000" b="1" kern="1200">
+                  <a:solidFill>
+                    <a:srgbClr val="837D78"/>
+                  </a:solidFill>
+                  <a:latin typeface="Arial" panose="020B0604020202020204" pitchFamily="34" charset="0"/>
+                  <a:ea typeface="+mn-ea"/>
+                  <a:cs typeface="Arial" panose="020B0604020202020204" pitchFamily="34" charset="0"/>
+                </a:defRPr>
+              </a:lvl2pPr>
+              <a:lvl3pPr marL="914400" indent="0" algn="l" defTabSz="914400" rtl="0" eaLnBrk="1" latinLnBrk="0" hangingPunct="1">
+                <a:lnSpc>
+                  <a:spcPct val="90000"/>
+                </a:lnSpc>
+                <a:spcBef>
+                  <a:spcPts val="500"/>
+                </a:spcBef>
+                <a:buFont typeface="Arial" panose="020B0604020202020204" pitchFamily="34" charset="0"/>
+                <a:buNone/>
+                <a:defRPr sz="1800" b="1" kern="1200">
+                  <a:solidFill>
+                    <a:srgbClr val="837D78"/>
+                  </a:solidFill>
+                  <a:latin typeface="Arial" panose="020B0604020202020204" pitchFamily="34" charset="0"/>
+                  <a:ea typeface="+mn-ea"/>
+                  <a:cs typeface="Arial" panose="020B0604020202020204" pitchFamily="34" charset="0"/>
+                </a:defRPr>
+              </a:lvl3pPr>
+              <a:lvl4pPr marL="1371600" indent="0" algn="l" defTabSz="914400" rtl="0" eaLnBrk="1" latinLnBrk="0" hangingPunct="1">
+                <a:lnSpc>
+                  <a:spcPct val="90000"/>
+                </a:lnSpc>
+                <a:spcBef>
+                  <a:spcPts val="500"/>
+                </a:spcBef>
+                <a:buFont typeface="Arial" panose="020B0604020202020204" pitchFamily="34" charset="0"/>
+                <a:buNone/>
+                <a:defRPr sz="1600" b="1" kern="1200">
+                  <a:solidFill>
+                    <a:srgbClr val="837D78"/>
+                  </a:solidFill>
+                  <a:latin typeface="Arial" panose="020B0604020202020204" pitchFamily="34" charset="0"/>
+                  <a:ea typeface="+mn-ea"/>
+                  <a:cs typeface="Arial" panose="020B0604020202020204" pitchFamily="34" charset="0"/>
+                </a:defRPr>
+              </a:lvl4pPr>
+              <a:lvl5pPr marL="1828800" indent="0" algn="l" defTabSz="914400" rtl="0" eaLnBrk="1" latinLnBrk="0" hangingPunct="1">
+                <a:lnSpc>
+                  <a:spcPct val="90000"/>
+                </a:lnSpc>
+                <a:spcBef>
+                  <a:spcPts val="500"/>
+                </a:spcBef>
+                <a:buFont typeface="Arial" panose="020B0604020202020204" pitchFamily="34" charset="0"/>
+                <a:buNone/>
+                <a:defRPr sz="1600" b="1" kern="1200">
+                  <a:solidFill>
+                    <a:srgbClr val="837D78"/>
+                  </a:solidFill>
+                  <a:latin typeface="Arial" panose="020B0604020202020204" pitchFamily="34" charset="0"/>
+                  <a:ea typeface="+mn-ea"/>
+                  <a:cs typeface="Arial" panose="020B0604020202020204" pitchFamily="34" charset="0"/>
+                </a:defRPr>
+              </a:lvl5pPr>
+              <a:lvl6pPr marL="2286000" indent="0" algn="l" defTabSz="914400" rtl="0" eaLnBrk="1" latinLnBrk="0" hangingPunct="1">
+                <a:lnSpc>
+                  <a:spcPct val="90000"/>
+                </a:lnSpc>
+                <a:spcBef>
+                  <a:spcPts val="500"/>
+                </a:spcBef>
+                <a:buFont typeface="Arial" panose="020B0604020202020204" pitchFamily="34" charset="0"/>
+                <a:buNone/>
+                <a:defRPr sz="1600" b="1" kern="1200">
+                  <a:solidFill>
+                    <a:schemeClr val="tx1"/>
+                  </a:solidFill>
+                  <a:latin typeface="+mn-lt"/>
+                  <a:ea typeface="+mn-ea"/>
+                  <a:cs typeface="+mn-cs"/>
+                </a:defRPr>
+              </a:lvl6pPr>
+              <a:lvl7pPr marL="2743200" indent="0" algn="l" defTabSz="914400" rtl="0" eaLnBrk="1" latinLnBrk="0" hangingPunct="1">
+                <a:lnSpc>
+                  <a:spcPct val="90000"/>
+                </a:lnSpc>
+                <a:spcBef>
+                  <a:spcPts val="500"/>
+                </a:spcBef>
+                <a:buFont typeface="Arial" panose="020B0604020202020204" pitchFamily="34" charset="0"/>
+                <a:buNone/>
+                <a:defRPr sz="1600" b="1" kern="1200">
+                  <a:solidFill>
+                    <a:schemeClr val="tx1"/>
+                  </a:solidFill>
+                  <a:latin typeface="+mn-lt"/>
+                  <a:ea typeface="+mn-ea"/>
+                  <a:cs typeface="+mn-cs"/>
+                </a:defRPr>
+              </a:lvl7pPr>
+              <a:lvl8pPr marL="3200400" indent="0" algn="l" defTabSz="914400" rtl="0" eaLnBrk="1" latinLnBrk="0" hangingPunct="1">
+                <a:lnSpc>
+                  <a:spcPct val="90000"/>
+                </a:lnSpc>
+                <a:spcBef>
+                  <a:spcPts val="500"/>
+                </a:spcBef>
+                <a:buFont typeface="Arial" panose="020B0604020202020204" pitchFamily="34" charset="0"/>
+                <a:buNone/>
+                <a:defRPr sz="1600" b="1" kern="1200">
+                  <a:solidFill>
+                    <a:schemeClr val="tx1"/>
+                  </a:solidFill>
+                  <a:latin typeface="+mn-lt"/>
+                  <a:ea typeface="+mn-ea"/>
+                  <a:cs typeface="+mn-cs"/>
+                </a:defRPr>
+              </a:lvl8pPr>
+              <a:lvl9pPr marL="3657600" indent="0" algn="l" defTabSz="914400" rtl="0" eaLnBrk="1" latinLnBrk="0" hangingPunct="1">
+                <a:lnSpc>
+                  <a:spcPct val="90000"/>
+                </a:lnSpc>
+                <a:spcBef>
+                  <a:spcPts val="500"/>
+                </a:spcBef>
+                <a:buFont typeface="Arial" panose="020B0604020202020204" pitchFamily="34" charset="0"/>
+                <a:buNone/>
+                <a:defRPr sz="1600" b="1" kern="1200">
+                  <a:solidFill>
+                    <a:schemeClr val="tx1"/>
+                  </a:solidFill>
+                  <a:latin typeface="+mn-lt"/>
+                  <a:ea typeface="+mn-ea"/>
+                  <a:cs typeface="+mn-cs"/>
+                </a:defRPr>
+              </a:lvl9pPr>
+            </a:lstStyle>
+            <a:p>
+              <a:pPr algn="ctr"/>
+              <a:r>
+                <a:rPr lang="en-US" dirty="0">
+                  <a:solidFill>
+                    <a:schemeClr val="accent5">
+                      <a:lumMod val="75000"/>
+                    </a:schemeClr>
+                  </a:solidFill>
+                </a:rPr>
+                <a:t>Cross</a:t>
+              </a:r>
+            </a:p>
+          </p:txBody>
+        </p:sp>
+        <p:sp>
+          <p:nvSpPr>
+            <p:cNvPr id="9" name="Text Placeholder 6">
+              <a:extLst>
+                <a:ext uri="{FF2B5EF4-FFF2-40B4-BE49-F238E27FC236}">
+                  <a16:creationId xmlns:a16="http://schemas.microsoft.com/office/drawing/2014/main" id="{242AC53A-088A-551B-C72F-83F968941E1F}"/>
+                </a:ext>
+              </a:extLst>
+            </p:cNvPr>
+            <p:cNvSpPr txBox="1">
+              <a:spLocks/>
+            </p:cNvSpPr>
+            <p:nvPr/>
+          </p:nvSpPr>
+          <p:spPr>
+            <a:xfrm>
+              <a:off x="7961155" y="2319100"/>
+              <a:ext cx="3793666" cy="548640"/>
+            </a:xfrm>
+            <a:prstGeom prst="rect">
+              <a:avLst/>
+            </a:prstGeom>
+            <a:solidFill>
+              <a:schemeClr val="accent3">
+                <a:lumMod val="60000"/>
+                <a:lumOff val="40000"/>
+              </a:schemeClr>
+            </a:solidFill>
+            <a:ln w="28575">
+              <a:solidFill>
+                <a:schemeClr val="bg1"/>
+              </a:solidFill>
+            </a:ln>
+          </p:spPr>
+          <p:txBody>
+            <a:bodyPr vert="horz" lIns="91440" tIns="45720" rIns="91440" bIns="45720" rtlCol="0" anchor="ctr">
+              <a:noAutofit/>
+            </a:bodyPr>
+            <a:lstStyle>
+              <a:lvl1pPr marL="0" indent="0" algn="l" defTabSz="914400" rtl="0" eaLnBrk="1" latinLnBrk="0" hangingPunct="1">
+                <a:lnSpc>
+                  <a:spcPct val="90000"/>
+                </a:lnSpc>
+                <a:spcBef>
+                  <a:spcPts val="1000"/>
+                </a:spcBef>
+                <a:buFont typeface="Arial" panose="020B0604020202020204" pitchFamily="34" charset="0"/>
+                <a:buNone/>
+                <a:defRPr sz="2400" b="1" kern="1200">
+                  <a:solidFill>
+                    <a:srgbClr val="837D78"/>
+                  </a:solidFill>
+                  <a:latin typeface="Arial" panose="020B0604020202020204" pitchFamily="34" charset="0"/>
+                  <a:ea typeface="+mn-ea"/>
+                  <a:cs typeface="Arial" panose="020B0604020202020204" pitchFamily="34" charset="0"/>
+                </a:defRPr>
+              </a:lvl1pPr>
+              <a:lvl2pPr marL="457200" indent="0" algn="l" defTabSz="914400" rtl="0" eaLnBrk="1" latinLnBrk="0" hangingPunct="1">
+                <a:lnSpc>
+                  <a:spcPct val="90000"/>
+                </a:lnSpc>
+                <a:spcBef>
+                  <a:spcPts val="500"/>
+                </a:spcBef>
+                <a:buFont typeface="Arial" panose="020B0604020202020204" pitchFamily="34" charset="0"/>
+                <a:buNone/>
+                <a:defRPr sz="2000" b="1" kern="1200">
+                  <a:solidFill>
+                    <a:srgbClr val="837D78"/>
+                  </a:solidFill>
+                  <a:latin typeface="Arial" panose="020B0604020202020204" pitchFamily="34" charset="0"/>
+                  <a:ea typeface="+mn-ea"/>
+                  <a:cs typeface="Arial" panose="020B0604020202020204" pitchFamily="34" charset="0"/>
+                </a:defRPr>
+              </a:lvl2pPr>
+              <a:lvl3pPr marL="914400" indent="0" algn="l" defTabSz="914400" rtl="0" eaLnBrk="1" latinLnBrk="0" hangingPunct="1">
+                <a:lnSpc>
+                  <a:spcPct val="90000"/>
+                </a:lnSpc>
+                <a:spcBef>
+                  <a:spcPts val="500"/>
+                </a:spcBef>
+                <a:buFont typeface="Arial" panose="020B0604020202020204" pitchFamily="34" charset="0"/>
+                <a:buNone/>
+                <a:defRPr sz="1800" b="1" kern="1200">
+                  <a:solidFill>
+                    <a:srgbClr val="837D78"/>
+                  </a:solidFill>
+                  <a:latin typeface="Arial" panose="020B0604020202020204" pitchFamily="34" charset="0"/>
+                  <a:ea typeface="+mn-ea"/>
+                  <a:cs typeface="Arial" panose="020B0604020202020204" pitchFamily="34" charset="0"/>
+                </a:defRPr>
+              </a:lvl3pPr>
+              <a:lvl4pPr marL="1371600" indent="0" algn="l" defTabSz="914400" rtl="0" eaLnBrk="1" latinLnBrk="0" hangingPunct="1">
+                <a:lnSpc>
+                  <a:spcPct val="90000"/>
+                </a:lnSpc>
+                <a:spcBef>
+                  <a:spcPts val="500"/>
+                </a:spcBef>
+                <a:buFont typeface="Arial" panose="020B0604020202020204" pitchFamily="34" charset="0"/>
+                <a:buNone/>
+                <a:defRPr sz="1600" b="1" kern="1200">
+                  <a:solidFill>
+                    <a:srgbClr val="837D78"/>
+                  </a:solidFill>
+                  <a:latin typeface="Arial" panose="020B0604020202020204" pitchFamily="34" charset="0"/>
+                  <a:ea typeface="+mn-ea"/>
+                  <a:cs typeface="Arial" panose="020B0604020202020204" pitchFamily="34" charset="0"/>
+                </a:defRPr>
+              </a:lvl4pPr>
+              <a:lvl5pPr marL="1828800" indent="0" algn="l" defTabSz="914400" rtl="0" eaLnBrk="1" latinLnBrk="0" hangingPunct="1">
+                <a:lnSpc>
+                  <a:spcPct val="90000"/>
+                </a:lnSpc>
+                <a:spcBef>
+                  <a:spcPts val="500"/>
+                </a:spcBef>
+                <a:buFont typeface="Arial" panose="020B0604020202020204" pitchFamily="34" charset="0"/>
+                <a:buNone/>
+                <a:defRPr sz="1600" b="1" kern="1200">
+                  <a:solidFill>
+                    <a:srgbClr val="837D78"/>
+                  </a:solidFill>
+                  <a:latin typeface="Arial" panose="020B0604020202020204" pitchFamily="34" charset="0"/>
+                  <a:ea typeface="+mn-ea"/>
+                  <a:cs typeface="Arial" panose="020B0604020202020204" pitchFamily="34" charset="0"/>
+                </a:defRPr>
+              </a:lvl5pPr>
+              <a:lvl6pPr marL="2286000" indent="0" algn="l" defTabSz="914400" rtl="0" eaLnBrk="1" latinLnBrk="0" hangingPunct="1">
+                <a:lnSpc>
+                  <a:spcPct val="90000"/>
+                </a:lnSpc>
+                <a:spcBef>
+                  <a:spcPts val="500"/>
+                </a:spcBef>
+                <a:buFont typeface="Arial" panose="020B0604020202020204" pitchFamily="34" charset="0"/>
+                <a:buNone/>
+                <a:defRPr sz="1600" b="1" kern="1200">
+                  <a:solidFill>
+                    <a:schemeClr val="tx1"/>
+                  </a:solidFill>
+                  <a:latin typeface="+mn-lt"/>
+                  <a:ea typeface="+mn-ea"/>
+                  <a:cs typeface="+mn-cs"/>
+                </a:defRPr>
+              </a:lvl6pPr>
+              <a:lvl7pPr marL="2743200" indent="0" algn="l" defTabSz="914400" rtl="0" eaLnBrk="1" latinLnBrk="0" hangingPunct="1">
+                <a:lnSpc>
+                  <a:spcPct val="90000"/>
+                </a:lnSpc>
+                <a:spcBef>
+                  <a:spcPts val="500"/>
+                </a:spcBef>
+                <a:buFont typeface="Arial" panose="020B0604020202020204" pitchFamily="34" charset="0"/>
+                <a:buNone/>
+                <a:defRPr sz="1600" b="1" kern="1200">
+                  <a:solidFill>
+                    <a:schemeClr val="tx1"/>
+                  </a:solidFill>
+                  <a:latin typeface="+mn-lt"/>
+                  <a:ea typeface="+mn-ea"/>
+                  <a:cs typeface="+mn-cs"/>
+                </a:defRPr>
+              </a:lvl7pPr>
+              <a:lvl8pPr marL="3200400" indent="0" algn="l" defTabSz="914400" rtl="0" eaLnBrk="1" latinLnBrk="0" hangingPunct="1">
+                <a:lnSpc>
+                  <a:spcPct val="90000"/>
+                </a:lnSpc>
+                <a:spcBef>
+                  <a:spcPts val="500"/>
+                </a:spcBef>
+                <a:buFont typeface="Arial" panose="020B0604020202020204" pitchFamily="34" charset="0"/>
+                <a:buNone/>
+                <a:defRPr sz="1600" b="1" kern="1200">
+                  <a:solidFill>
+                    <a:schemeClr val="tx1"/>
+                  </a:solidFill>
+                  <a:latin typeface="+mn-lt"/>
+                  <a:ea typeface="+mn-ea"/>
+                  <a:cs typeface="+mn-cs"/>
+                </a:defRPr>
+              </a:lvl8pPr>
+              <a:lvl9pPr marL="3657600" indent="0" algn="l" defTabSz="914400" rtl="0" eaLnBrk="1" latinLnBrk="0" hangingPunct="1">
+                <a:lnSpc>
+                  <a:spcPct val="90000"/>
+                </a:lnSpc>
+                <a:spcBef>
+                  <a:spcPts val="500"/>
+                </a:spcBef>
+                <a:buFont typeface="Arial" panose="020B0604020202020204" pitchFamily="34" charset="0"/>
+                <a:buNone/>
+                <a:defRPr sz="1600" b="1" kern="1200">
+                  <a:solidFill>
+                    <a:schemeClr val="tx1"/>
+                  </a:solidFill>
+                  <a:latin typeface="+mn-lt"/>
+                  <a:ea typeface="+mn-ea"/>
+                  <a:cs typeface="+mn-cs"/>
+                </a:defRPr>
+              </a:lvl9pPr>
+            </a:lstStyle>
+            <a:p>
+              <a:pPr algn="ctr"/>
+              <a:r>
+                <a:rPr lang="en-US" dirty="0">
+                  <a:solidFill>
+                    <a:schemeClr val="accent5">
+                      <a:lumMod val="75000"/>
+                    </a:schemeClr>
+                  </a:solidFill>
+                </a:rPr>
+                <a:t>Validation</a:t>
+              </a:r>
+            </a:p>
+          </p:txBody>
+        </p:sp>
+      </p:grpSp>
+      <p:sp>
+        <p:nvSpPr>
+          <p:cNvPr id="10" name="Content Placeholder 2">
+            <a:extLst>
+              <a:ext uri="{FF2B5EF4-FFF2-40B4-BE49-F238E27FC236}">
+                <a16:creationId xmlns:a16="http://schemas.microsoft.com/office/drawing/2014/main" id="{786DBA67-2A71-F0D6-3443-5CF389941779}"/>
+              </a:ext>
+            </a:extLst>
+          </p:cNvPr>
+          <p:cNvSpPr txBox="1">
+            <a:spLocks/>
+          </p:cNvSpPr>
+          <p:nvPr/>
+        </p:nvSpPr>
+        <p:spPr>
+          <a:xfrm>
+            <a:off x="394448" y="1587449"/>
+            <a:ext cx="11367247" cy="4351338"/>
+          </a:xfrm>
+          <a:prstGeom prst="rect">
+            <a:avLst/>
+          </a:prstGeom>
+        </p:spPr>
+        <p:txBody>
+          <a:bodyPr vert="horz" lIns="91440" tIns="45720" rIns="91440" bIns="45720" rtlCol="0">
+            <a:normAutofit/>
+          </a:bodyPr>
+          <a:lstStyle>
+            <a:lvl1pPr marL="228600" indent="-228600" algn="l" defTabSz="914400" rtl="0" eaLnBrk="1" latinLnBrk="0" hangingPunct="1">
+              <a:lnSpc>
+                <a:spcPct val="90000"/>
+              </a:lnSpc>
+              <a:spcBef>
+                <a:spcPts val="1000"/>
+              </a:spcBef>
+              <a:buFont typeface="Arial" panose="020B0604020202020204" pitchFamily="34" charset="0"/>
+              <a:buChar char="•"/>
+              <a:defRPr sz="2400" kern="1200">
+                <a:solidFill>
+                  <a:schemeClr val="tx1"/>
+                </a:solidFill>
+                <a:latin typeface="Arial" panose="020B0604020202020204" pitchFamily="34" charset="0"/>
+                <a:ea typeface="+mn-ea"/>
+                <a:cs typeface="Arial" panose="020B0604020202020204" pitchFamily="34" charset="0"/>
+              </a:defRPr>
+            </a:lvl1pPr>
+            <a:lvl2pPr marL="685800" indent="-228600" algn="l" defTabSz="914400" rtl="0" eaLnBrk="1" latinLnBrk="0" hangingPunct="1">
+              <a:lnSpc>
+                <a:spcPct val="90000"/>
+              </a:lnSpc>
+              <a:spcBef>
+                <a:spcPts val="500"/>
+              </a:spcBef>
+              <a:buFont typeface="Arial" panose="020B0604020202020204" pitchFamily="34" charset="0"/>
+              <a:buChar char="•"/>
+              <a:defRPr sz="2400" kern="1200">
+                <a:solidFill>
+                  <a:schemeClr val="tx1"/>
+                </a:solidFill>
+                <a:latin typeface="Arial" panose="020B0604020202020204" pitchFamily="34" charset="0"/>
+                <a:ea typeface="+mn-ea"/>
+                <a:cs typeface="Arial" panose="020B0604020202020204" pitchFamily="34" charset="0"/>
+              </a:defRPr>
+            </a:lvl2pPr>
+            <a:lvl3pPr marL="1143000" indent="-228600" algn="l" defTabSz="914400" rtl="0" eaLnBrk="1" latinLnBrk="0" hangingPunct="1">
+              <a:lnSpc>
+                <a:spcPct val="90000"/>
+              </a:lnSpc>
+              <a:spcBef>
+                <a:spcPts val="500"/>
+              </a:spcBef>
+              <a:buFont typeface="Arial" panose="020B0604020202020204" pitchFamily="34" charset="0"/>
+              <a:buChar char="•"/>
+              <a:defRPr sz="2000" kern="1200">
+                <a:solidFill>
+                  <a:schemeClr val="tx1"/>
+                </a:solidFill>
+                <a:latin typeface="Arial" panose="020B0604020202020204" pitchFamily="34" charset="0"/>
+                <a:ea typeface="+mn-ea"/>
+                <a:cs typeface="Arial" panose="020B0604020202020204" pitchFamily="34" charset="0"/>
+              </a:defRPr>
+            </a:lvl3pPr>
+            <a:lvl4pPr marL="1600200" indent="-228600" algn="l" defTabSz="914400" rtl="0" eaLnBrk="1" latinLnBrk="0" hangingPunct="1">
+              <a:lnSpc>
+                <a:spcPct val="90000"/>
+              </a:lnSpc>
+              <a:spcBef>
+                <a:spcPts val="500"/>
+              </a:spcBef>
+              <a:buFont typeface="Arial" panose="020B0604020202020204" pitchFamily="34" charset="0"/>
+              <a:buChar char="•"/>
+              <a:defRPr sz="1800" kern="1200">
+                <a:solidFill>
+                  <a:schemeClr val="tx1"/>
+                </a:solidFill>
+                <a:latin typeface="Arial" panose="020B0604020202020204" pitchFamily="34" charset="0"/>
+                <a:ea typeface="+mn-ea"/>
+                <a:cs typeface="Arial" panose="020B0604020202020204" pitchFamily="34" charset="0"/>
+              </a:defRPr>
+            </a:lvl4pPr>
+            <a:lvl5pPr marL="2057400" indent="-228600" algn="l" defTabSz="914400" rtl="0" eaLnBrk="1" latinLnBrk="0" hangingPunct="1">
+              <a:lnSpc>
+                <a:spcPct val="90000"/>
+              </a:lnSpc>
+              <a:spcBef>
+                <a:spcPts val="500"/>
+              </a:spcBef>
+              <a:buFont typeface="Arial" panose="020B0604020202020204" pitchFamily="34" charset="0"/>
+              <a:buChar char="•"/>
+              <a:defRPr sz="1800" kern="1200">
+                <a:solidFill>
+                  <a:schemeClr val="tx1"/>
+                </a:solidFill>
+                <a:latin typeface="Arial" panose="020B0604020202020204" pitchFamily="34" charset="0"/>
+                <a:ea typeface="+mn-ea"/>
+                <a:cs typeface="Arial" panose="020B0604020202020204" pitchFamily="34" charset="0"/>
+              </a:defRPr>
+            </a:lvl5pPr>
+            <a:lvl6pPr marL="2514600" indent="-228600" algn="l" defTabSz="914400" rtl="0" eaLnBrk="1" latinLnBrk="0" hangingPunct="1">
+              <a:lnSpc>
+                <a:spcPct val="90000"/>
+              </a:lnSpc>
+              <a:spcBef>
+                <a:spcPts val="500"/>
+              </a:spcBef>
+              <a:buFont typeface="Arial" panose="020B0604020202020204" pitchFamily="34" charset="0"/>
+              <a:buChar char="•"/>
+              <a:defRPr sz="1800" kern="1200">
+                <a:solidFill>
+                  <a:schemeClr val="tx1"/>
+                </a:solidFill>
+                <a:latin typeface="+mn-lt"/>
+                <a:ea typeface="+mn-ea"/>
+                <a:cs typeface="+mn-cs"/>
+              </a:defRPr>
+            </a:lvl6pPr>
+            <a:lvl7pPr marL="2971800" indent="-228600" algn="l" defTabSz="914400" rtl="0" eaLnBrk="1" latinLnBrk="0" hangingPunct="1">
+              <a:lnSpc>
+                <a:spcPct val="90000"/>
+              </a:lnSpc>
+              <a:spcBef>
+                <a:spcPts val="500"/>
+              </a:spcBef>
+              <a:buFont typeface="Arial" panose="020B0604020202020204" pitchFamily="34" charset="0"/>
+              <a:buChar char="•"/>
+              <a:defRPr sz="1800" kern="1200">
+                <a:solidFill>
+                  <a:schemeClr val="tx1"/>
+                </a:solidFill>
+                <a:latin typeface="+mn-lt"/>
+                <a:ea typeface="+mn-ea"/>
+                <a:cs typeface="+mn-cs"/>
+              </a:defRPr>
+            </a:lvl7pPr>
+            <a:lvl8pPr marL="3429000" indent="-228600" algn="l" defTabSz="914400" rtl="0" eaLnBrk="1" latinLnBrk="0" hangingPunct="1">
+              <a:lnSpc>
+                <a:spcPct val="90000"/>
+              </a:lnSpc>
+              <a:spcBef>
+                <a:spcPts val="500"/>
+              </a:spcBef>
+              <a:buFont typeface="Arial" panose="020B0604020202020204" pitchFamily="34" charset="0"/>
+              <a:buChar char="•"/>
+              <a:defRPr sz="1800" kern="1200">
+                <a:solidFill>
+                  <a:schemeClr val="tx1"/>
+                </a:solidFill>
+                <a:latin typeface="+mn-lt"/>
+                <a:ea typeface="+mn-ea"/>
+                <a:cs typeface="+mn-cs"/>
+              </a:defRPr>
+            </a:lvl8pPr>
+            <a:lvl9pPr marL="3886200" indent="-228600" algn="l" defTabSz="914400" rtl="0" eaLnBrk="1" latinLnBrk="0" hangingPunct="1">
+              <a:lnSpc>
+                <a:spcPct val="90000"/>
+              </a:lnSpc>
+              <a:spcBef>
+                <a:spcPts val="500"/>
+              </a:spcBef>
+              <a:buFont typeface="Arial" panose="020B0604020202020204" pitchFamily="34" charset="0"/>
+              <a:buChar char="•"/>
+              <a:defRPr sz="1800" kern="1200">
+                <a:solidFill>
+                  <a:schemeClr val="tx1"/>
+                </a:solidFill>
+                <a:latin typeface="+mn-lt"/>
+                <a:ea typeface="+mn-ea"/>
+                <a:cs typeface="+mn-cs"/>
+              </a:defRPr>
+            </a:lvl9pPr>
+          </a:lstStyle>
+          <a:p>
+            <a:pPr marL="0" indent="0">
+              <a:buFont typeface="Arial" panose="020B0604020202020204" pitchFamily="34" charset="0"/>
+              <a:buNone/>
+            </a:pPr>
+            <a:r>
+              <a:rPr lang="en-US" dirty="0"/>
+              <a:t>METHODOLOGY</a:t>
             </a:r>
           </a:p>
         </p:txBody>
@@ -5748,79 +6645,2203 @@
       </p:sp>
       <p:sp>
         <p:nvSpPr>
-          <p:cNvPr id="8" name="Content Placeholder 2">
-            <a:extLst>
-              <a:ext uri="{FF2B5EF4-FFF2-40B4-BE49-F238E27FC236}">
-                <a16:creationId xmlns:a16="http://schemas.microsoft.com/office/drawing/2014/main" id="{2EC25BDF-AD54-CCCE-1E92-FD8B2A14BDE5}"/>
-              </a:ext>
-            </a:extLst>
-          </p:cNvPr>
-          <p:cNvSpPr>
-            <a:spLocks noGrp="1"/>
+          <p:cNvPr id="14" name="Text Placeholder 6">
+            <a:extLst>
+              <a:ext uri="{FF2B5EF4-FFF2-40B4-BE49-F238E27FC236}">
+                <a16:creationId xmlns:a16="http://schemas.microsoft.com/office/drawing/2014/main" id="{6545892A-563F-75A5-467F-7B23A223F177}"/>
+              </a:ext>
+            </a:extLst>
+          </p:cNvPr>
+          <p:cNvSpPr txBox="1">
+            <a:spLocks/>
           </p:cNvSpPr>
-          <p:nvPr>
-            <p:ph idx="1"/>
-          </p:nvPr>
+          <p:nvPr/>
         </p:nvSpPr>
         <p:spPr>
           <a:xfrm>
-            <a:off x="430305" y="1825625"/>
-            <a:ext cx="11367247" cy="4351338"/>
+            <a:off x="9055688" y="4251543"/>
+            <a:ext cx="2640808" cy="1533056"/>
           </a:xfrm>
+          <a:prstGeom prst="rect">
+            <a:avLst/>
+          </a:prstGeom>
+          <a:ln w="28575">
+            <a:solidFill>
+              <a:schemeClr val="accent1"/>
+            </a:solidFill>
+          </a:ln>
         </p:spPr>
         <p:txBody>
-          <a:bodyPr/>
+          <a:bodyPr anchor="ctr">
+            <a:noAutofit/>
+          </a:bodyPr>
+          <a:lstStyle>
+            <a:lvl1pPr marL="228600" indent="-228600" algn="l" defTabSz="914400" rtl="0" eaLnBrk="1" latinLnBrk="0" hangingPunct="1">
+              <a:lnSpc>
+                <a:spcPct val="90000"/>
+              </a:lnSpc>
+              <a:spcBef>
+                <a:spcPts val="1000"/>
+              </a:spcBef>
+              <a:buFont typeface="Arial" panose="020B0604020202020204" pitchFamily="34" charset="0"/>
+              <a:buChar char="•"/>
+              <a:defRPr sz="2800" kern="1200">
+                <a:solidFill>
+                  <a:srgbClr val="837D78"/>
+                </a:solidFill>
+                <a:latin typeface="Arial" panose="020B0604020202020204" pitchFamily="34" charset="0"/>
+                <a:ea typeface="+mn-ea"/>
+                <a:cs typeface="Arial" panose="020B0604020202020204" pitchFamily="34" charset="0"/>
+              </a:defRPr>
+            </a:lvl1pPr>
+            <a:lvl2pPr marL="685800" indent="-228600" algn="l" defTabSz="914400" rtl="0" eaLnBrk="1" latinLnBrk="0" hangingPunct="1">
+              <a:lnSpc>
+                <a:spcPct val="90000"/>
+              </a:lnSpc>
+              <a:spcBef>
+                <a:spcPts val="500"/>
+              </a:spcBef>
+              <a:buFont typeface="Arial" panose="020B0604020202020204" pitchFamily="34" charset="0"/>
+              <a:buChar char="•"/>
+              <a:defRPr sz="2400" kern="1200">
+                <a:solidFill>
+                  <a:srgbClr val="837D78"/>
+                </a:solidFill>
+                <a:latin typeface="Arial" panose="020B0604020202020204" pitchFamily="34" charset="0"/>
+                <a:ea typeface="+mn-ea"/>
+                <a:cs typeface="Arial" panose="020B0604020202020204" pitchFamily="34" charset="0"/>
+              </a:defRPr>
+            </a:lvl2pPr>
+            <a:lvl3pPr marL="1143000" indent="-228600" algn="l" defTabSz="914400" rtl="0" eaLnBrk="1" latinLnBrk="0" hangingPunct="1">
+              <a:lnSpc>
+                <a:spcPct val="90000"/>
+              </a:lnSpc>
+              <a:spcBef>
+                <a:spcPts val="500"/>
+              </a:spcBef>
+              <a:buFont typeface="Arial" panose="020B0604020202020204" pitchFamily="34" charset="0"/>
+              <a:buChar char="•"/>
+              <a:defRPr sz="2000" kern="1200">
+                <a:solidFill>
+                  <a:srgbClr val="837D78"/>
+                </a:solidFill>
+                <a:latin typeface="Arial" panose="020B0604020202020204" pitchFamily="34" charset="0"/>
+                <a:ea typeface="+mn-ea"/>
+                <a:cs typeface="Arial" panose="020B0604020202020204" pitchFamily="34" charset="0"/>
+              </a:defRPr>
+            </a:lvl3pPr>
+            <a:lvl4pPr marL="1600200" indent="-228600" algn="l" defTabSz="914400" rtl="0" eaLnBrk="1" latinLnBrk="0" hangingPunct="1">
+              <a:lnSpc>
+                <a:spcPct val="90000"/>
+              </a:lnSpc>
+              <a:spcBef>
+                <a:spcPts val="500"/>
+              </a:spcBef>
+              <a:buFont typeface="Arial" panose="020B0604020202020204" pitchFamily="34" charset="0"/>
+              <a:buChar char="•"/>
+              <a:defRPr sz="1800" kern="1200">
+                <a:solidFill>
+                  <a:srgbClr val="837D78"/>
+                </a:solidFill>
+                <a:latin typeface="Arial" panose="020B0604020202020204" pitchFamily="34" charset="0"/>
+                <a:ea typeface="+mn-ea"/>
+                <a:cs typeface="Arial" panose="020B0604020202020204" pitchFamily="34" charset="0"/>
+              </a:defRPr>
+            </a:lvl4pPr>
+            <a:lvl5pPr marL="2057400" indent="-228600" algn="l" defTabSz="914400" rtl="0" eaLnBrk="1" latinLnBrk="0" hangingPunct="1">
+              <a:lnSpc>
+                <a:spcPct val="90000"/>
+              </a:lnSpc>
+              <a:spcBef>
+                <a:spcPts val="500"/>
+              </a:spcBef>
+              <a:buFont typeface="Arial" panose="020B0604020202020204" pitchFamily="34" charset="0"/>
+              <a:buChar char="•"/>
+              <a:defRPr sz="1800" kern="1200">
+                <a:solidFill>
+                  <a:srgbClr val="837D78"/>
+                </a:solidFill>
+                <a:latin typeface="Arial" panose="020B0604020202020204" pitchFamily="34" charset="0"/>
+                <a:ea typeface="+mn-ea"/>
+                <a:cs typeface="Arial" panose="020B0604020202020204" pitchFamily="34" charset="0"/>
+              </a:defRPr>
+            </a:lvl5pPr>
+            <a:lvl6pPr marL="2514600" indent="-228600" algn="l" defTabSz="914400" rtl="0" eaLnBrk="1" latinLnBrk="0" hangingPunct="1">
+              <a:lnSpc>
+                <a:spcPct val="90000"/>
+              </a:lnSpc>
+              <a:spcBef>
+                <a:spcPts val="500"/>
+              </a:spcBef>
+              <a:buFont typeface="Arial" panose="020B0604020202020204" pitchFamily="34" charset="0"/>
+              <a:buChar char="•"/>
+              <a:defRPr sz="1800" kern="1200">
+                <a:solidFill>
+                  <a:schemeClr val="tx1"/>
+                </a:solidFill>
+                <a:latin typeface="+mn-lt"/>
+                <a:ea typeface="+mn-ea"/>
+                <a:cs typeface="+mn-cs"/>
+              </a:defRPr>
+            </a:lvl6pPr>
+            <a:lvl7pPr marL="2971800" indent="-228600" algn="l" defTabSz="914400" rtl="0" eaLnBrk="1" latinLnBrk="0" hangingPunct="1">
+              <a:lnSpc>
+                <a:spcPct val="90000"/>
+              </a:lnSpc>
+              <a:spcBef>
+                <a:spcPts val="500"/>
+              </a:spcBef>
+              <a:buFont typeface="Arial" panose="020B0604020202020204" pitchFamily="34" charset="0"/>
+              <a:buChar char="•"/>
+              <a:defRPr sz="1800" kern="1200">
+                <a:solidFill>
+                  <a:schemeClr val="tx1"/>
+                </a:solidFill>
+                <a:latin typeface="+mn-lt"/>
+                <a:ea typeface="+mn-ea"/>
+                <a:cs typeface="+mn-cs"/>
+              </a:defRPr>
+            </a:lvl7pPr>
+            <a:lvl8pPr marL="3429000" indent="-228600" algn="l" defTabSz="914400" rtl="0" eaLnBrk="1" latinLnBrk="0" hangingPunct="1">
+              <a:lnSpc>
+                <a:spcPct val="90000"/>
+              </a:lnSpc>
+              <a:spcBef>
+                <a:spcPts val="500"/>
+              </a:spcBef>
+              <a:buFont typeface="Arial" panose="020B0604020202020204" pitchFamily="34" charset="0"/>
+              <a:buChar char="•"/>
+              <a:defRPr sz="1800" kern="1200">
+                <a:solidFill>
+                  <a:schemeClr val="tx1"/>
+                </a:solidFill>
+                <a:latin typeface="+mn-lt"/>
+                <a:ea typeface="+mn-ea"/>
+                <a:cs typeface="+mn-cs"/>
+              </a:defRPr>
+            </a:lvl8pPr>
+            <a:lvl9pPr marL="3886200" indent="-228600" algn="l" defTabSz="914400" rtl="0" eaLnBrk="1" latinLnBrk="0" hangingPunct="1">
+              <a:lnSpc>
+                <a:spcPct val="90000"/>
+              </a:lnSpc>
+              <a:spcBef>
+                <a:spcPts val="500"/>
+              </a:spcBef>
+              <a:buFont typeface="Arial" panose="020B0604020202020204" pitchFamily="34" charset="0"/>
+              <a:buChar char="•"/>
+              <a:defRPr sz="1800" kern="1200">
+                <a:solidFill>
+                  <a:schemeClr val="tx1"/>
+                </a:solidFill>
+                <a:latin typeface="+mn-lt"/>
+                <a:ea typeface="+mn-ea"/>
+                <a:cs typeface="+mn-cs"/>
+              </a:defRPr>
+            </a:lvl9pPr>
+          </a:lstStyle>
+          <a:p>
+            <a:pPr marL="0" indent="0" algn="ctr">
+              <a:lnSpc>
+                <a:spcPct val="150000"/>
+              </a:lnSpc>
+              <a:buClr>
+                <a:schemeClr val="accent3"/>
+              </a:buClr>
+              <a:buNone/>
+            </a:pPr>
+            <a:r>
+              <a:rPr lang="en-US" sz="2400" dirty="0">
+                <a:solidFill>
+                  <a:schemeClr val="tx1"/>
+                </a:solidFill>
+              </a:rPr>
+              <a:t>Cluster 3</a:t>
+            </a:r>
+          </a:p>
+          <a:p>
+            <a:pPr marL="0" indent="0" algn="ctr">
+              <a:lnSpc>
+                <a:spcPct val="100000"/>
+              </a:lnSpc>
+              <a:spcBef>
+                <a:spcPts val="0"/>
+              </a:spcBef>
+              <a:buClr>
+                <a:schemeClr val="accent3"/>
+              </a:buClr>
+              <a:buNone/>
+            </a:pPr>
+            <a:r>
+              <a:rPr lang="en-US" sz="2400" b="1" dirty="0">
+                <a:solidFill>
+                  <a:schemeClr val="tx2"/>
+                </a:solidFill>
+              </a:rPr>
+              <a:t>Lift = 1.106</a:t>
+            </a:r>
+          </a:p>
+          <a:p>
+            <a:pPr marL="0" indent="0" algn="ctr">
+              <a:lnSpc>
+                <a:spcPct val="100000"/>
+              </a:lnSpc>
+              <a:spcBef>
+                <a:spcPts val="0"/>
+              </a:spcBef>
+              <a:buClr>
+                <a:schemeClr val="accent3"/>
+              </a:buClr>
+              <a:buNone/>
+            </a:pPr>
+            <a:r>
+              <a:rPr lang="en-US" sz="2400" dirty="0">
+                <a:solidFill>
+                  <a:schemeClr val="tx2"/>
+                </a:solidFill>
+              </a:rPr>
+              <a:t>AUC = 64.5% </a:t>
+            </a:r>
+          </a:p>
+        </p:txBody>
+      </p:sp>
+      <p:sp>
+        <p:nvSpPr>
+          <p:cNvPr id="15" name="Text Placeholder 6">
+            <a:extLst>
+              <a:ext uri="{FF2B5EF4-FFF2-40B4-BE49-F238E27FC236}">
+                <a16:creationId xmlns:a16="http://schemas.microsoft.com/office/drawing/2014/main" id="{5FFFC104-7008-F463-3095-33E4126876CD}"/>
+              </a:ext>
+            </a:extLst>
+          </p:cNvPr>
+          <p:cNvSpPr txBox="1">
+            <a:spLocks/>
+          </p:cNvSpPr>
+          <p:nvPr/>
+        </p:nvSpPr>
+        <p:spPr>
+          <a:xfrm>
+            <a:off x="495504" y="4259213"/>
+            <a:ext cx="2640808" cy="1533057"/>
+          </a:xfrm>
+          <a:prstGeom prst="rect">
+            <a:avLst/>
+          </a:prstGeom>
+          <a:ln w="28575">
+            <a:solidFill>
+              <a:schemeClr val="accent1"/>
+            </a:solidFill>
+          </a:ln>
+        </p:spPr>
+        <p:txBody>
+          <a:bodyPr vert="horz" lIns="91440" tIns="45720" rIns="91440" bIns="45720" rtlCol="0" anchor="ctr">
+            <a:noAutofit/>
+          </a:bodyPr>
+          <a:lstStyle>
+            <a:lvl1pPr marL="0" indent="0" algn="l" defTabSz="914400" rtl="0" eaLnBrk="1" latinLnBrk="0" hangingPunct="1">
+              <a:lnSpc>
+                <a:spcPct val="90000"/>
+              </a:lnSpc>
+              <a:spcBef>
+                <a:spcPts val="1000"/>
+              </a:spcBef>
+              <a:buFont typeface="Arial" panose="020B0604020202020204" pitchFamily="34" charset="0"/>
+              <a:buNone/>
+              <a:defRPr sz="2400" b="1" kern="1200">
+                <a:solidFill>
+                  <a:srgbClr val="837D78"/>
+                </a:solidFill>
+                <a:latin typeface="Arial" panose="020B0604020202020204" pitchFamily="34" charset="0"/>
+                <a:ea typeface="+mn-ea"/>
+                <a:cs typeface="Arial" panose="020B0604020202020204" pitchFamily="34" charset="0"/>
+              </a:defRPr>
+            </a:lvl1pPr>
+            <a:lvl2pPr marL="457200" indent="0" algn="l" defTabSz="914400" rtl="0" eaLnBrk="1" latinLnBrk="0" hangingPunct="1">
+              <a:lnSpc>
+                <a:spcPct val="90000"/>
+              </a:lnSpc>
+              <a:spcBef>
+                <a:spcPts val="500"/>
+              </a:spcBef>
+              <a:buFont typeface="Arial" panose="020B0604020202020204" pitchFamily="34" charset="0"/>
+              <a:buNone/>
+              <a:defRPr sz="2000" b="1" kern="1200">
+                <a:solidFill>
+                  <a:srgbClr val="837D78"/>
+                </a:solidFill>
+                <a:latin typeface="Arial" panose="020B0604020202020204" pitchFamily="34" charset="0"/>
+                <a:ea typeface="+mn-ea"/>
+                <a:cs typeface="Arial" panose="020B0604020202020204" pitchFamily="34" charset="0"/>
+              </a:defRPr>
+            </a:lvl2pPr>
+            <a:lvl3pPr marL="914400" indent="0" algn="l" defTabSz="914400" rtl="0" eaLnBrk="1" latinLnBrk="0" hangingPunct="1">
+              <a:lnSpc>
+                <a:spcPct val="90000"/>
+              </a:lnSpc>
+              <a:spcBef>
+                <a:spcPts val="500"/>
+              </a:spcBef>
+              <a:buFont typeface="Arial" panose="020B0604020202020204" pitchFamily="34" charset="0"/>
+              <a:buNone/>
+              <a:defRPr sz="1800" b="1" kern="1200">
+                <a:solidFill>
+                  <a:srgbClr val="837D78"/>
+                </a:solidFill>
+                <a:latin typeface="Arial" panose="020B0604020202020204" pitchFamily="34" charset="0"/>
+                <a:ea typeface="+mn-ea"/>
+                <a:cs typeface="Arial" panose="020B0604020202020204" pitchFamily="34" charset="0"/>
+              </a:defRPr>
+            </a:lvl3pPr>
+            <a:lvl4pPr marL="1371600" indent="0" algn="l" defTabSz="914400" rtl="0" eaLnBrk="1" latinLnBrk="0" hangingPunct="1">
+              <a:lnSpc>
+                <a:spcPct val="90000"/>
+              </a:lnSpc>
+              <a:spcBef>
+                <a:spcPts val="500"/>
+              </a:spcBef>
+              <a:buFont typeface="Arial" panose="020B0604020202020204" pitchFamily="34" charset="0"/>
+              <a:buNone/>
+              <a:defRPr sz="1600" b="1" kern="1200">
+                <a:solidFill>
+                  <a:srgbClr val="837D78"/>
+                </a:solidFill>
+                <a:latin typeface="Arial" panose="020B0604020202020204" pitchFamily="34" charset="0"/>
+                <a:ea typeface="+mn-ea"/>
+                <a:cs typeface="Arial" panose="020B0604020202020204" pitchFamily="34" charset="0"/>
+              </a:defRPr>
+            </a:lvl4pPr>
+            <a:lvl5pPr marL="1828800" indent="0" algn="l" defTabSz="914400" rtl="0" eaLnBrk="1" latinLnBrk="0" hangingPunct="1">
+              <a:lnSpc>
+                <a:spcPct val="90000"/>
+              </a:lnSpc>
+              <a:spcBef>
+                <a:spcPts val="500"/>
+              </a:spcBef>
+              <a:buFont typeface="Arial" panose="020B0604020202020204" pitchFamily="34" charset="0"/>
+              <a:buNone/>
+              <a:defRPr sz="1600" b="1" kern="1200">
+                <a:solidFill>
+                  <a:srgbClr val="837D78"/>
+                </a:solidFill>
+                <a:latin typeface="Arial" panose="020B0604020202020204" pitchFamily="34" charset="0"/>
+                <a:ea typeface="+mn-ea"/>
+                <a:cs typeface="Arial" panose="020B0604020202020204" pitchFamily="34" charset="0"/>
+              </a:defRPr>
+            </a:lvl5pPr>
+            <a:lvl6pPr marL="2286000" indent="0" algn="l" defTabSz="914400" rtl="0" eaLnBrk="1" latinLnBrk="0" hangingPunct="1">
+              <a:lnSpc>
+                <a:spcPct val="90000"/>
+              </a:lnSpc>
+              <a:spcBef>
+                <a:spcPts val="500"/>
+              </a:spcBef>
+              <a:buFont typeface="Arial" panose="020B0604020202020204" pitchFamily="34" charset="0"/>
+              <a:buNone/>
+              <a:defRPr sz="1600" b="1" kern="1200">
+                <a:solidFill>
+                  <a:schemeClr val="tx1"/>
+                </a:solidFill>
+                <a:latin typeface="+mn-lt"/>
+                <a:ea typeface="+mn-ea"/>
+                <a:cs typeface="+mn-cs"/>
+              </a:defRPr>
+            </a:lvl6pPr>
+            <a:lvl7pPr marL="2743200" indent="0" algn="l" defTabSz="914400" rtl="0" eaLnBrk="1" latinLnBrk="0" hangingPunct="1">
+              <a:lnSpc>
+                <a:spcPct val="90000"/>
+              </a:lnSpc>
+              <a:spcBef>
+                <a:spcPts val="500"/>
+              </a:spcBef>
+              <a:buFont typeface="Arial" panose="020B0604020202020204" pitchFamily="34" charset="0"/>
+              <a:buNone/>
+              <a:defRPr sz="1600" b="1" kern="1200">
+                <a:solidFill>
+                  <a:schemeClr val="tx1"/>
+                </a:solidFill>
+                <a:latin typeface="+mn-lt"/>
+                <a:ea typeface="+mn-ea"/>
+                <a:cs typeface="+mn-cs"/>
+              </a:defRPr>
+            </a:lvl7pPr>
+            <a:lvl8pPr marL="3200400" indent="0" algn="l" defTabSz="914400" rtl="0" eaLnBrk="1" latinLnBrk="0" hangingPunct="1">
+              <a:lnSpc>
+                <a:spcPct val="90000"/>
+              </a:lnSpc>
+              <a:spcBef>
+                <a:spcPts val="500"/>
+              </a:spcBef>
+              <a:buFont typeface="Arial" panose="020B0604020202020204" pitchFamily="34" charset="0"/>
+              <a:buNone/>
+              <a:defRPr sz="1600" b="1" kern="1200">
+                <a:solidFill>
+                  <a:schemeClr val="tx1"/>
+                </a:solidFill>
+                <a:latin typeface="+mn-lt"/>
+                <a:ea typeface="+mn-ea"/>
+                <a:cs typeface="+mn-cs"/>
+              </a:defRPr>
+            </a:lvl8pPr>
+            <a:lvl9pPr marL="3657600" indent="0" algn="l" defTabSz="914400" rtl="0" eaLnBrk="1" latinLnBrk="0" hangingPunct="1">
+              <a:lnSpc>
+                <a:spcPct val="90000"/>
+              </a:lnSpc>
+              <a:spcBef>
+                <a:spcPts val="500"/>
+              </a:spcBef>
+              <a:buFont typeface="Arial" panose="020B0604020202020204" pitchFamily="34" charset="0"/>
+              <a:buNone/>
+              <a:defRPr sz="1600" b="1" kern="1200">
+                <a:solidFill>
+                  <a:schemeClr val="tx1"/>
+                </a:solidFill>
+                <a:latin typeface="+mn-lt"/>
+                <a:ea typeface="+mn-ea"/>
+                <a:cs typeface="+mn-cs"/>
+              </a:defRPr>
+            </a:lvl9pPr>
+          </a:lstStyle>
+          <a:p>
+            <a:pPr algn="ctr">
+              <a:lnSpc>
+                <a:spcPct val="150000"/>
+              </a:lnSpc>
+              <a:buClr>
+                <a:schemeClr val="accent3"/>
+              </a:buClr>
+            </a:pPr>
+            <a:r>
+              <a:rPr lang="en-US" b="0" dirty="0">
+                <a:solidFill>
+                  <a:schemeClr val="tx1"/>
+                </a:solidFill>
+              </a:rPr>
+              <a:t>Cluster 1</a:t>
+            </a:r>
+          </a:p>
+          <a:p>
+            <a:pPr algn="ctr">
+              <a:lnSpc>
+                <a:spcPct val="100000"/>
+              </a:lnSpc>
+              <a:spcBef>
+                <a:spcPts val="0"/>
+              </a:spcBef>
+              <a:buClr>
+                <a:schemeClr val="accent3"/>
+              </a:buClr>
+            </a:pPr>
+            <a:r>
+              <a:rPr lang="en-US" dirty="0">
+                <a:solidFill>
+                  <a:schemeClr val="tx2"/>
+                </a:solidFill>
+              </a:rPr>
+              <a:t>Lift = 1.079</a:t>
+            </a:r>
+          </a:p>
+          <a:p>
+            <a:pPr algn="ctr">
+              <a:lnSpc>
+                <a:spcPct val="100000"/>
+              </a:lnSpc>
+              <a:spcBef>
+                <a:spcPts val="0"/>
+              </a:spcBef>
+              <a:buClr>
+                <a:schemeClr val="accent3"/>
+              </a:buClr>
+            </a:pPr>
+            <a:r>
+              <a:rPr lang="en-US" b="0" dirty="0">
+                <a:solidFill>
+                  <a:schemeClr val="tx2"/>
+                </a:solidFill>
+              </a:rPr>
+              <a:t>AUC = 60.5% </a:t>
+            </a:r>
+          </a:p>
+        </p:txBody>
+      </p:sp>
+      <p:sp>
+        <p:nvSpPr>
+          <p:cNvPr id="16" name="Text Placeholder 6">
+            <a:extLst>
+              <a:ext uri="{FF2B5EF4-FFF2-40B4-BE49-F238E27FC236}">
+                <a16:creationId xmlns:a16="http://schemas.microsoft.com/office/drawing/2014/main" id="{2FE43DC3-E849-7A0E-0F43-AF183DC422A4}"/>
+              </a:ext>
+            </a:extLst>
+          </p:cNvPr>
+          <p:cNvSpPr txBox="1">
+            <a:spLocks/>
+          </p:cNvSpPr>
+          <p:nvPr/>
+        </p:nvSpPr>
+        <p:spPr>
+          <a:xfrm>
+            <a:off x="3348899" y="4259213"/>
+            <a:ext cx="2640808" cy="1533057"/>
+          </a:xfrm>
+          <a:prstGeom prst="rect">
+            <a:avLst/>
+          </a:prstGeom>
+          <a:ln w="28575">
+            <a:solidFill>
+              <a:schemeClr val="accent1"/>
+            </a:solidFill>
+          </a:ln>
+        </p:spPr>
+        <p:txBody>
+          <a:bodyPr vert="horz" lIns="91440" tIns="45720" rIns="91440" bIns="45720" rtlCol="0" anchor="ctr">
+            <a:noAutofit/>
+          </a:bodyPr>
+          <a:lstStyle>
+            <a:lvl1pPr marL="0" indent="0" algn="l" defTabSz="914400" rtl="0" eaLnBrk="1" latinLnBrk="0" hangingPunct="1">
+              <a:lnSpc>
+                <a:spcPct val="90000"/>
+              </a:lnSpc>
+              <a:spcBef>
+                <a:spcPts val="1000"/>
+              </a:spcBef>
+              <a:buFont typeface="Arial" panose="020B0604020202020204" pitchFamily="34" charset="0"/>
+              <a:buNone/>
+              <a:defRPr sz="2400" b="1" kern="1200">
+                <a:solidFill>
+                  <a:srgbClr val="837D78"/>
+                </a:solidFill>
+                <a:latin typeface="Arial" panose="020B0604020202020204" pitchFamily="34" charset="0"/>
+                <a:ea typeface="+mn-ea"/>
+                <a:cs typeface="Arial" panose="020B0604020202020204" pitchFamily="34" charset="0"/>
+              </a:defRPr>
+            </a:lvl1pPr>
+            <a:lvl2pPr marL="457200" indent="0" algn="l" defTabSz="914400" rtl="0" eaLnBrk="1" latinLnBrk="0" hangingPunct="1">
+              <a:lnSpc>
+                <a:spcPct val="90000"/>
+              </a:lnSpc>
+              <a:spcBef>
+                <a:spcPts val="500"/>
+              </a:spcBef>
+              <a:buFont typeface="Arial" panose="020B0604020202020204" pitchFamily="34" charset="0"/>
+              <a:buNone/>
+              <a:defRPr sz="2000" b="1" kern="1200">
+                <a:solidFill>
+                  <a:srgbClr val="837D78"/>
+                </a:solidFill>
+                <a:latin typeface="Arial" panose="020B0604020202020204" pitchFamily="34" charset="0"/>
+                <a:ea typeface="+mn-ea"/>
+                <a:cs typeface="Arial" panose="020B0604020202020204" pitchFamily="34" charset="0"/>
+              </a:defRPr>
+            </a:lvl2pPr>
+            <a:lvl3pPr marL="914400" indent="0" algn="l" defTabSz="914400" rtl="0" eaLnBrk="1" latinLnBrk="0" hangingPunct="1">
+              <a:lnSpc>
+                <a:spcPct val="90000"/>
+              </a:lnSpc>
+              <a:spcBef>
+                <a:spcPts val="500"/>
+              </a:spcBef>
+              <a:buFont typeface="Arial" panose="020B0604020202020204" pitchFamily="34" charset="0"/>
+              <a:buNone/>
+              <a:defRPr sz="1800" b="1" kern="1200">
+                <a:solidFill>
+                  <a:srgbClr val="837D78"/>
+                </a:solidFill>
+                <a:latin typeface="Arial" panose="020B0604020202020204" pitchFamily="34" charset="0"/>
+                <a:ea typeface="+mn-ea"/>
+                <a:cs typeface="Arial" panose="020B0604020202020204" pitchFamily="34" charset="0"/>
+              </a:defRPr>
+            </a:lvl3pPr>
+            <a:lvl4pPr marL="1371600" indent="0" algn="l" defTabSz="914400" rtl="0" eaLnBrk="1" latinLnBrk="0" hangingPunct="1">
+              <a:lnSpc>
+                <a:spcPct val="90000"/>
+              </a:lnSpc>
+              <a:spcBef>
+                <a:spcPts val="500"/>
+              </a:spcBef>
+              <a:buFont typeface="Arial" panose="020B0604020202020204" pitchFamily="34" charset="0"/>
+              <a:buNone/>
+              <a:defRPr sz="1600" b="1" kern="1200">
+                <a:solidFill>
+                  <a:srgbClr val="837D78"/>
+                </a:solidFill>
+                <a:latin typeface="Arial" panose="020B0604020202020204" pitchFamily="34" charset="0"/>
+                <a:ea typeface="+mn-ea"/>
+                <a:cs typeface="Arial" panose="020B0604020202020204" pitchFamily="34" charset="0"/>
+              </a:defRPr>
+            </a:lvl4pPr>
+            <a:lvl5pPr marL="1828800" indent="0" algn="l" defTabSz="914400" rtl="0" eaLnBrk="1" latinLnBrk="0" hangingPunct="1">
+              <a:lnSpc>
+                <a:spcPct val="90000"/>
+              </a:lnSpc>
+              <a:spcBef>
+                <a:spcPts val="500"/>
+              </a:spcBef>
+              <a:buFont typeface="Arial" panose="020B0604020202020204" pitchFamily="34" charset="0"/>
+              <a:buNone/>
+              <a:defRPr sz="1600" b="1" kern="1200">
+                <a:solidFill>
+                  <a:srgbClr val="837D78"/>
+                </a:solidFill>
+                <a:latin typeface="Arial" panose="020B0604020202020204" pitchFamily="34" charset="0"/>
+                <a:ea typeface="+mn-ea"/>
+                <a:cs typeface="Arial" panose="020B0604020202020204" pitchFamily="34" charset="0"/>
+              </a:defRPr>
+            </a:lvl5pPr>
+            <a:lvl6pPr marL="2286000" indent="0" algn="l" defTabSz="914400" rtl="0" eaLnBrk="1" latinLnBrk="0" hangingPunct="1">
+              <a:lnSpc>
+                <a:spcPct val="90000"/>
+              </a:lnSpc>
+              <a:spcBef>
+                <a:spcPts val="500"/>
+              </a:spcBef>
+              <a:buFont typeface="Arial" panose="020B0604020202020204" pitchFamily="34" charset="0"/>
+              <a:buNone/>
+              <a:defRPr sz="1600" b="1" kern="1200">
+                <a:solidFill>
+                  <a:schemeClr val="tx1"/>
+                </a:solidFill>
+                <a:latin typeface="+mn-lt"/>
+                <a:ea typeface="+mn-ea"/>
+                <a:cs typeface="+mn-cs"/>
+              </a:defRPr>
+            </a:lvl6pPr>
+            <a:lvl7pPr marL="2743200" indent="0" algn="l" defTabSz="914400" rtl="0" eaLnBrk="1" latinLnBrk="0" hangingPunct="1">
+              <a:lnSpc>
+                <a:spcPct val="90000"/>
+              </a:lnSpc>
+              <a:spcBef>
+                <a:spcPts val="500"/>
+              </a:spcBef>
+              <a:buFont typeface="Arial" panose="020B0604020202020204" pitchFamily="34" charset="0"/>
+              <a:buNone/>
+              <a:defRPr sz="1600" b="1" kern="1200">
+                <a:solidFill>
+                  <a:schemeClr val="tx1"/>
+                </a:solidFill>
+                <a:latin typeface="+mn-lt"/>
+                <a:ea typeface="+mn-ea"/>
+                <a:cs typeface="+mn-cs"/>
+              </a:defRPr>
+            </a:lvl7pPr>
+            <a:lvl8pPr marL="3200400" indent="0" algn="l" defTabSz="914400" rtl="0" eaLnBrk="1" latinLnBrk="0" hangingPunct="1">
+              <a:lnSpc>
+                <a:spcPct val="90000"/>
+              </a:lnSpc>
+              <a:spcBef>
+                <a:spcPts val="500"/>
+              </a:spcBef>
+              <a:buFont typeface="Arial" panose="020B0604020202020204" pitchFamily="34" charset="0"/>
+              <a:buNone/>
+              <a:defRPr sz="1600" b="1" kern="1200">
+                <a:solidFill>
+                  <a:schemeClr val="tx1"/>
+                </a:solidFill>
+                <a:latin typeface="+mn-lt"/>
+                <a:ea typeface="+mn-ea"/>
+                <a:cs typeface="+mn-cs"/>
+              </a:defRPr>
+            </a:lvl8pPr>
+            <a:lvl9pPr marL="3657600" indent="0" algn="l" defTabSz="914400" rtl="0" eaLnBrk="1" latinLnBrk="0" hangingPunct="1">
+              <a:lnSpc>
+                <a:spcPct val="90000"/>
+              </a:lnSpc>
+              <a:spcBef>
+                <a:spcPts val="500"/>
+              </a:spcBef>
+              <a:buFont typeface="Arial" panose="020B0604020202020204" pitchFamily="34" charset="0"/>
+              <a:buNone/>
+              <a:defRPr sz="1600" b="1" kern="1200">
+                <a:solidFill>
+                  <a:schemeClr val="tx1"/>
+                </a:solidFill>
+                <a:latin typeface="+mn-lt"/>
+                <a:ea typeface="+mn-ea"/>
+                <a:cs typeface="+mn-cs"/>
+              </a:defRPr>
+            </a:lvl9pPr>
+          </a:lstStyle>
+          <a:p>
+            <a:pPr algn="ctr">
+              <a:lnSpc>
+                <a:spcPct val="150000"/>
+              </a:lnSpc>
+              <a:buClr>
+                <a:schemeClr val="accent3"/>
+              </a:buClr>
+            </a:pPr>
+            <a:r>
+              <a:rPr lang="en-US" b="0" dirty="0">
+                <a:solidFill>
+                  <a:schemeClr val="tx1"/>
+                </a:solidFill>
+              </a:rPr>
+              <a:t>Cluster 2</a:t>
+            </a:r>
+          </a:p>
+          <a:p>
+            <a:pPr algn="ctr">
+              <a:lnSpc>
+                <a:spcPct val="100000"/>
+              </a:lnSpc>
+              <a:spcBef>
+                <a:spcPts val="0"/>
+              </a:spcBef>
+              <a:buClr>
+                <a:schemeClr val="accent3"/>
+              </a:buClr>
+            </a:pPr>
+            <a:r>
+              <a:rPr lang="en-US" dirty="0">
+                <a:solidFill>
+                  <a:schemeClr val="tx2"/>
+                </a:solidFill>
+              </a:rPr>
+              <a:t>Lift = 1.073</a:t>
+            </a:r>
+          </a:p>
+          <a:p>
+            <a:pPr algn="ctr">
+              <a:lnSpc>
+                <a:spcPct val="100000"/>
+              </a:lnSpc>
+              <a:spcBef>
+                <a:spcPts val="0"/>
+              </a:spcBef>
+              <a:buClr>
+                <a:schemeClr val="accent3"/>
+              </a:buClr>
+            </a:pPr>
+            <a:r>
+              <a:rPr lang="en-US" b="0" dirty="0">
+                <a:solidFill>
+                  <a:schemeClr val="tx2"/>
+                </a:solidFill>
+              </a:rPr>
+              <a:t>AUC = 59.9% </a:t>
+            </a:r>
+          </a:p>
+        </p:txBody>
+      </p:sp>
+      <p:sp>
+        <p:nvSpPr>
+          <p:cNvPr id="17" name="Text Placeholder 6">
+            <a:extLst>
+              <a:ext uri="{FF2B5EF4-FFF2-40B4-BE49-F238E27FC236}">
+                <a16:creationId xmlns:a16="http://schemas.microsoft.com/office/drawing/2014/main" id="{61B77515-E5DF-68F6-A0D7-FE83E4BF9CCA}"/>
+              </a:ext>
+            </a:extLst>
+          </p:cNvPr>
+          <p:cNvSpPr txBox="1">
+            <a:spLocks/>
+          </p:cNvSpPr>
+          <p:nvPr/>
+        </p:nvSpPr>
+        <p:spPr>
+          <a:xfrm>
+            <a:off x="6202294" y="4251543"/>
+            <a:ext cx="2640808" cy="1533056"/>
+          </a:xfrm>
+          <a:prstGeom prst="rect">
+            <a:avLst/>
+          </a:prstGeom>
+          <a:ln w="28575">
+            <a:solidFill>
+              <a:schemeClr val="accent1"/>
+            </a:solidFill>
+          </a:ln>
+        </p:spPr>
+        <p:txBody>
+          <a:bodyPr anchor="ctr">
+            <a:noAutofit/>
+          </a:bodyPr>
+          <a:lstStyle>
+            <a:lvl1pPr marL="228600" indent="-228600" algn="l" defTabSz="914400" rtl="0" eaLnBrk="1" latinLnBrk="0" hangingPunct="1">
+              <a:lnSpc>
+                <a:spcPct val="90000"/>
+              </a:lnSpc>
+              <a:spcBef>
+                <a:spcPts val="1000"/>
+              </a:spcBef>
+              <a:buFont typeface="Arial" panose="020B0604020202020204" pitchFamily="34" charset="0"/>
+              <a:buChar char="•"/>
+              <a:defRPr sz="2800" kern="1200">
+                <a:solidFill>
+                  <a:srgbClr val="837D78"/>
+                </a:solidFill>
+                <a:latin typeface="Arial" panose="020B0604020202020204" pitchFamily="34" charset="0"/>
+                <a:ea typeface="+mn-ea"/>
+                <a:cs typeface="Arial" panose="020B0604020202020204" pitchFamily="34" charset="0"/>
+              </a:defRPr>
+            </a:lvl1pPr>
+            <a:lvl2pPr marL="685800" indent="-228600" algn="l" defTabSz="914400" rtl="0" eaLnBrk="1" latinLnBrk="0" hangingPunct="1">
+              <a:lnSpc>
+                <a:spcPct val="90000"/>
+              </a:lnSpc>
+              <a:spcBef>
+                <a:spcPts val="500"/>
+              </a:spcBef>
+              <a:buFont typeface="Arial" panose="020B0604020202020204" pitchFamily="34" charset="0"/>
+              <a:buChar char="•"/>
+              <a:defRPr sz="2400" kern="1200">
+                <a:solidFill>
+                  <a:srgbClr val="837D78"/>
+                </a:solidFill>
+                <a:latin typeface="Arial" panose="020B0604020202020204" pitchFamily="34" charset="0"/>
+                <a:ea typeface="+mn-ea"/>
+                <a:cs typeface="Arial" panose="020B0604020202020204" pitchFamily="34" charset="0"/>
+              </a:defRPr>
+            </a:lvl2pPr>
+            <a:lvl3pPr marL="1143000" indent="-228600" algn="l" defTabSz="914400" rtl="0" eaLnBrk="1" latinLnBrk="0" hangingPunct="1">
+              <a:lnSpc>
+                <a:spcPct val="90000"/>
+              </a:lnSpc>
+              <a:spcBef>
+                <a:spcPts val="500"/>
+              </a:spcBef>
+              <a:buFont typeface="Arial" panose="020B0604020202020204" pitchFamily="34" charset="0"/>
+              <a:buChar char="•"/>
+              <a:defRPr sz="2000" kern="1200">
+                <a:solidFill>
+                  <a:srgbClr val="837D78"/>
+                </a:solidFill>
+                <a:latin typeface="Arial" panose="020B0604020202020204" pitchFamily="34" charset="0"/>
+                <a:ea typeface="+mn-ea"/>
+                <a:cs typeface="Arial" panose="020B0604020202020204" pitchFamily="34" charset="0"/>
+              </a:defRPr>
+            </a:lvl3pPr>
+            <a:lvl4pPr marL="1600200" indent="-228600" algn="l" defTabSz="914400" rtl="0" eaLnBrk="1" latinLnBrk="0" hangingPunct="1">
+              <a:lnSpc>
+                <a:spcPct val="90000"/>
+              </a:lnSpc>
+              <a:spcBef>
+                <a:spcPts val="500"/>
+              </a:spcBef>
+              <a:buFont typeface="Arial" panose="020B0604020202020204" pitchFamily="34" charset="0"/>
+              <a:buChar char="•"/>
+              <a:defRPr sz="1800" kern="1200">
+                <a:solidFill>
+                  <a:srgbClr val="837D78"/>
+                </a:solidFill>
+                <a:latin typeface="Arial" panose="020B0604020202020204" pitchFamily="34" charset="0"/>
+                <a:ea typeface="+mn-ea"/>
+                <a:cs typeface="Arial" panose="020B0604020202020204" pitchFamily="34" charset="0"/>
+              </a:defRPr>
+            </a:lvl4pPr>
+            <a:lvl5pPr marL="2057400" indent="-228600" algn="l" defTabSz="914400" rtl="0" eaLnBrk="1" latinLnBrk="0" hangingPunct="1">
+              <a:lnSpc>
+                <a:spcPct val="90000"/>
+              </a:lnSpc>
+              <a:spcBef>
+                <a:spcPts val="500"/>
+              </a:spcBef>
+              <a:buFont typeface="Arial" panose="020B0604020202020204" pitchFamily="34" charset="0"/>
+              <a:buChar char="•"/>
+              <a:defRPr sz="1800" kern="1200">
+                <a:solidFill>
+                  <a:srgbClr val="837D78"/>
+                </a:solidFill>
+                <a:latin typeface="Arial" panose="020B0604020202020204" pitchFamily="34" charset="0"/>
+                <a:ea typeface="+mn-ea"/>
+                <a:cs typeface="Arial" panose="020B0604020202020204" pitchFamily="34" charset="0"/>
+              </a:defRPr>
+            </a:lvl5pPr>
+            <a:lvl6pPr marL="2514600" indent="-228600" algn="l" defTabSz="914400" rtl="0" eaLnBrk="1" latinLnBrk="0" hangingPunct="1">
+              <a:lnSpc>
+                <a:spcPct val="90000"/>
+              </a:lnSpc>
+              <a:spcBef>
+                <a:spcPts val="500"/>
+              </a:spcBef>
+              <a:buFont typeface="Arial" panose="020B0604020202020204" pitchFamily="34" charset="0"/>
+              <a:buChar char="•"/>
+              <a:defRPr sz="1800" kern="1200">
+                <a:solidFill>
+                  <a:schemeClr val="tx1"/>
+                </a:solidFill>
+                <a:latin typeface="+mn-lt"/>
+                <a:ea typeface="+mn-ea"/>
+                <a:cs typeface="+mn-cs"/>
+              </a:defRPr>
+            </a:lvl6pPr>
+            <a:lvl7pPr marL="2971800" indent="-228600" algn="l" defTabSz="914400" rtl="0" eaLnBrk="1" latinLnBrk="0" hangingPunct="1">
+              <a:lnSpc>
+                <a:spcPct val="90000"/>
+              </a:lnSpc>
+              <a:spcBef>
+                <a:spcPts val="500"/>
+              </a:spcBef>
+              <a:buFont typeface="Arial" panose="020B0604020202020204" pitchFamily="34" charset="0"/>
+              <a:buChar char="•"/>
+              <a:defRPr sz="1800" kern="1200">
+                <a:solidFill>
+                  <a:schemeClr val="tx1"/>
+                </a:solidFill>
+                <a:latin typeface="+mn-lt"/>
+                <a:ea typeface="+mn-ea"/>
+                <a:cs typeface="+mn-cs"/>
+              </a:defRPr>
+            </a:lvl7pPr>
+            <a:lvl8pPr marL="3429000" indent="-228600" algn="l" defTabSz="914400" rtl="0" eaLnBrk="1" latinLnBrk="0" hangingPunct="1">
+              <a:lnSpc>
+                <a:spcPct val="90000"/>
+              </a:lnSpc>
+              <a:spcBef>
+                <a:spcPts val="500"/>
+              </a:spcBef>
+              <a:buFont typeface="Arial" panose="020B0604020202020204" pitchFamily="34" charset="0"/>
+              <a:buChar char="•"/>
+              <a:defRPr sz="1800" kern="1200">
+                <a:solidFill>
+                  <a:schemeClr val="tx1"/>
+                </a:solidFill>
+                <a:latin typeface="+mn-lt"/>
+                <a:ea typeface="+mn-ea"/>
+                <a:cs typeface="+mn-cs"/>
+              </a:defRPr>
+            </a:lvl8pPr>
+            <a:lvl9pPr marL="3886200" indent="-228600" algn="l" defTabSz="914400" rtl="0" eaLnBrk="1" latinLnBrk="0" hangingPunct="1">
+              <a:lnSpc>
+                <a:spcPct val="90000"/>
+              </a:lnSpc>
+              <a:spcBef>
+                <a:spcPts val="500"/>
+              </a:spcBef>
+              <a:buFont typeface="Arial" panose="020B0604020202020204" pitchFamily="34" charset="0"/>
+              <a:buChar char="•"/>
+              <a:defRPr sz="1800" kern="1200">
+                <a:solidFill>
+                  <a:schemeClr val="tx1"/>
+                </a:solidFill>
+                <a:latin typeface="+mn-lt"/>
+                <a:ea typeface="+mn-ea"/>
+                <a:cs typeface="+mn-cs"/>
+              </a:defRPr>
+            </a:lvl9pPr>
+          </a:lstStyle>
+          <a:p>
+            <a:pPr marL="0" indent="0" algn="ctr">
+              <a:lnSpc>
+                <a:spcPct val="150000"/>
+              </a:lnSpc>
+              <a:buClr>
+                <a:schemeClr val="accent3"/>
+              </a:buClr>
+              <a:buNone/>
+            </a:pPr>
+            <a:r>
+              <a:rPr lang="en-US" sz="2400" dirty="0">
+                <a:solidFill>
+                  <a:schemeClr val="tx1"/>
+                </a:solidFill>
+              </a:rPr>
+              <a:t>Cluster 3</a:t>
+            </a:r>
+          </a:p>
+          <a:p>
+            <a:pPr marL="0" indent="0" algn="ctr">
+              <a:lnSpc>
+                <a:spcPct val="100000"/>
+              </a:lnSpc>
+              <a:spcBef>
+                <a:spcPts val="0"/>
+              </a:spcBef>
+              <a:buClr>
+                <a:schemeClr val="accent3"/>
+              </a:buClr>
+              <a:buNone/>
+            </a:pPr>
+            <a:r>
+              <a:rPr lang="en-US" sz="2400" b="1" dirty="0">
+                <a:solidFill>
+                  <a:schemeClr val="tx2"/>
+                </a:solidFill>
+              </a:rPr>
+              <a:t>Lift = 1.084</a:t>
+            </a:r>
+          </a:p>
+          <a:p>
+            <a:pPr marL="0" indent="0" algn="ctr">
+              <a:lnSpc>
+                <a:spcPct val="100000"/>
+              </a:lnSpc>
+              <a:spcBef>
+                <a:spcPts val="0"/>
+              </a:spcBef>
+              <a:buClr>
+                <a:schemeClr val="accent3"/>
+              </a:buClr>
+              <a:buNone/>
+            </a:pPr>
+            <a:r>
+              <a:rPr lang="en-US" sz="2400" dirty="0">
+                <a:solidFill>
+                  <a:schemeClr val="tx2"/>
+                </a:solidFill>
+              </a:rPr>
+              <a:t>AUC = 61.7% </a:t>
+            </a:r>
+          </a:p>
+        </p:txBody>
+      </p:sp>
+      <p:sp>
+        <p:nvSpPr>
+          <p:cNvPr id="22" name="TextBox 21">
+            <a:extLst>
+              <a:ext uri="{FF2B5EF4-FFF2-40B4-BE49-F238E27FC236}">
+                <a16:creationId xmlns:a16="http://schemas.microsoft.com/office/drawing/2014/main" id="{0C2E604C-41BE-17B4-89B5-94CDA441C4F9}"/>
+              </a:ext>
+            </a:extLst>
+          </p:cNvPr>
+          <p:cNvSpPr txBox="1"/>
+          <p:nvPr/>
+        </p:nvSpPr>
+        <p:spPr>
+          <a:xfrm>
+            <a:off x="135467" y="6215876"/>
+            <a:ext cx="8079135" cy="276999"/>
+          </a:xfrm>
+          <a:prstGeom prst="rect">
+            <a:avLst/>
+          </a:prstGeom>
+          <a:noFill/>
+        </p:spPr>
+        <p:txBody>
+          <a:bodyPr wrap="none" lIns="0" tIns="0" rIns="0" bIns="0" rtlCol="0">
+            <a:spAutoFit/>
+          </a:bodyPr>
           <a:lstStyle/>
           <a:p>
             <a:r>
-              <a:rPr lang="en-US" dirty="0"/>
-              <a:t>Baseline: random chance of 65%</a:t>
-            </a:r>
-          </a:p>
-          <a:p>
-            <a:r>
-              <a:rPr lang="en-US" dirty="0"/>
-              <a:t>Popular items: ~</a:t>
-            </a:r>
-          </a:p>
-          <a:p>
-            <a:r>
-              <a:rPr lang="en-US" dirty="0"/>
-              <a:t>Model Accuracy General: </a:t>
-            </a:r>
-          </a:p>
-          <a:p>
-            <a:r>
-              <a:rPr lang="en-US" dirty="0"/>
-              <a:t>Model Accuracy per Cluster</a:t>
-            </a:r>
-          </a:p>
-          <a:p>
-            <a:pPr lvl="1"/>
-            <a:r>
-              <a:rPr lang="en-US" dirty="0"/>
-              <a:t>Cluster 1:  </a:t>
-            </a:r>
-          </a:p>
-          <a:p>
-            <a:pPr lvl="1"/>
-            <a:r>
-              <a:rPr lang="en-US" dirty="0"/>
-              <a:t>Cluster 2: </a:t>
-            </a:r>
-          </a:p>
-          <a:p>
-            <a:pPr lvl="1"/>
-            <a:r>
-              <a:rPr lang="en-US" dirty="0"/>
-              <a:t>Cluster 3: </a:t>
-            </a:r>
-          </a:p>
-          <a:p>
-            <a:pPr lvl="1"/>
-            <a:r>
-              <a:rPr lang="en-US" dirty="0"/>
-              <a:t>Cluster 4: </a:t>
+              <a:rPr lang="en-US" dirty="0">
+                <a:solidFill>
+                  <a:schemeClr val="accent3">
+                    <a:lumMod val="60000"/>
+                    <a:lumOff val="40000"/>
+                  </a:schemeClr>
+                </a:solidFill>
+                <a:latin typeface="Arial" panose="020B0604020202020204" pitchFamily="34" charset="0"/>
+                <a:cs typeface="Arial" panose="020B0604020202020204" pitchFamily="34" charset="0"/>
+              </a:rPr>
+              <a:t>* Lift score measures the performance of a targeting model (accuracy/baseline)</a:t>
+            </a:r>
+          </a:p>
+        </p:txBody>
+      </p:sp>
+      <p:sp>
+        <p:nvSpPr>
+          <p:cNvPr id="23" name="Text Placeholder 6">
+            <a:extLst>
+              <a:ext uri="{FF2B5EF4-FFF2-40B4-BE49-F238E27FC236}">
+                <a16:creationId xmlns:a16="http://schemas.microsoft.com/office/drawing/2014/main" id="{48F9EF56-AAB5-A0E5-2266-F5A105867BCA}"/>
+              </a:ext>
+            </a:extLst>
+          </p:cNvPr>
+          <p:cNvSpPr txBox="1">
+            <a:spLocks/>
+          </p:cNvSpPr>
+          <p:nvPr/>
+        </p:nvSpPr>
+        <p:spPr>
+          <a:xfrm>
+            <a:off x="4775596" y="1645463"/>
+            <a:ext cx="2640808" cy="1533056"/>
+          </a:xfrm>
+          <a:prstGeom prst="rect">
+            <a:avLst/>
+          </a:prstGeom>
+          <a:ln w="28575">
+            <a:solidFill>
+              <a:schemeClr val="accent1"/>
+            </a:solidFill>
+          </a:ln>
+        </p:spPr>
+        <p:txBody>
+          <a:bodyPr anchor="ctr">
+            <a:noAutofit/>
+          </a:bodyPr>
+          <a:lstStyle>
+            <a:lvl1pPr marL="228600" indent="-228600" algn="l" defTabSz="914400" rtl="0" eaLnBrk="1" latinLnBrk="0" hangingPunct="1">
+              <a:lnSpc>
+                <a:spcPct val="90000"/>
+              </a:lnSpc>
+              <a:spcBef>
+                <a:spcPts val="1000"/>
+              </a:spcBef>
+              <a:buFont typeface="Arial" panose="020B0604020202020204" pitchFamily="34" charset="0"/>
+              <a:buChar char="•"/>
+              <a:defRPr sz="2800" kern="1200">
+                <a:solidFill>
+                  <a:srgbClr val="837D78"/>
+                </a:solidFill>
+                <a:latin typeface="Arial" panose="020B0604020202020204" pitchFamily="34" charset="0"/>
+                <a:ea typeface="+mn-ea"/>
+                <a:cs typeface="Arial" panose="020B0604020202020204" pitchFamily="34" charset="0"/>
+              </a:defRPr>
+            </a:lvl1pPr>
+            <a:lvl2pPr marL="685800" indent="-228600" algn="l" defTabSz="914400" rtl="0" eaLnBrk="1" latinLnBrk="0" hangingPunct="1">
+              <a:lnSpc>
+                <a:spcPct val="90000"/>
+              </a:lnSpc>
+              <a:spcBef>
+                <a:spcPts val="500"/>
+              </a:spcBef>
+              <a:buFont typeface="Arial" panose="020B0604020202020204" pitchFamily="34" charset="0"/>
+              <a:buChar char="•"/>
+              <a:defRPr sz="2400" kern="1200">
+                <a:solidFill>
+                  <a:srgbClr val="837D78"/>
+                </a:solidFill>
+                <a:latin typeface="Arial" panose="020B0604020202020204" pitchFamily="34" charset="0"/>
+                <a:ea typeface="+mn-ea"/>
+                <a:cs typeface="Arial" panose="020B0604020202020204" pitchFamily="34" charset="0"/>
+              </a:defRPr>
+            </a:lvl2pPr>
+            <a:lvl3pPr marL="1143000" indent="-228600" algn="l" defTabSz="914400" rtl="0" eaLnBrk="1" latinLnBrk="0" hangingPunct="1">
+              <a:lnSpc>
+                <a:spcPct val="90000"/>
+              </a:lnSpc>
+              <a:spcBef>
+                <a:spcPts val="500"/>
+              </a:spcBef>
+              <a:buFont typeface="Arial" panose="020B0604020202020204" pitchFamily="34" charset="0"/>
+              <a:buChar char="•"/>
+              <a:defRPr sz="2000" kern="1200">
+                <a:solidFill>
+                  <a:srgbClr val="837D78"/>
+                </a:solidFill>
+                <a:latin typeface="Arial" panose="020B0604020202020204" pitchFamily="34" charset="0"/>
+                <a:ea typeface="+mn-ea"/>
+                <a:cs typeface="Arial" panose="020B0604020202020204" pitchFamily="34" charset="0"/>
+              </a:defRPr>
+            </a:lvl3pPr>
+            <a:lvl4pPr marL="1600200" indent="-228600" algn="l" defTabSz="914400" rtl="0" eaLnBrk="1" latinLnBrk="0" hangingPunct="1">
+              <a:lnSpc>
+                <a:spcPct val="90000"/>
+              </a:lnSpc>
+              <a:spcBef>
+                <a:spcPts val="500"/>
+              </a:spcBef>
+              <a:buFont typeface="Arial" panose="020B0604020202020204" pitchFamily="34" charset="0"/>
+              <a:buChar char="•"/>
+              <a:defRPr sz="1800" kern="1200">
+                <a:solidFill>
+                  <a:srgbClr val="837D78"/>
+                </a:solidFill>
+                <a:latin typeface="Arial" panose="020B0604020202020204" pitchFamily="34" charset="0"/>
+                <a:ea typeface="+mn-ea"/>
+                <a:cs typeface="Arial" panose="020B0604020202020204" pitchFamily="34" charset="0"/>
+              </a:defRPr>
+            </a:lvl4pPr>
+            <a:lvl5pPr marL="2057400" indent="-228600" algn="l" defTabSz="914400" rtl="0" eaLnBrk="1" latinLnBrk="0" hangingPunct="1">
+              <a:lnSpc>
+                <a:spcPct val="90000"/>
+              </a:lnSpc>
+              <a:spcBef>
+                <a:spcPts val="500"/>
+              </a:spcBef>
+              <a:buFont typeface="Arial" panose="020B0604020202020204" pitchFamily="34" charset="0"/>
+              <a:buChar char="•"/>
+              <a:defRPr sz="1800" kern="1200">
+                <a:solidFill>
+                  <a:srgbClr val="837D78"/>
+                </a:solidFill>
+                <a:latin typeface="Arial" panose="020B0604020202020204" pitchFamily="34" charset="0"/>
+                <a:ea typeface="+mn-ea"/>
+                <a:cs typeface="Arial" panose="020B0604020202020204" pitchFamily="34" charset="0"/>
+              </a:defRPr>
+            </a:lvl5pPr>
+            <a:lvl6pPr marL="2514600" indent="-228600" algn="l" defTabSz="914400" rtl="0" eaLnBrk="1" latinLnBrk="0" hangingPunct="1">
+              <a:lnSpc>
+                <a:spcPct val="90000"/>
+              </a:lnSpc>
+              <a:spcBef>
+                <a:spcPts val="500"/>
+              </a:spcBef>
+              <a:buFont typeface="Arial" panose="020B0604020202020204" pitchFamily="34" charset="0"/>
+              <a:buChar char="•"/>
+              <a:defRPr sz="1800" kern="1200">
+                <a:solidFill>
+                  <a:schemeClr val="tx1"/>
+                </a:solidFill>
+                <a:latin typeface="+mn-lt"/>
+                <a:ea typeface="+mn-ea"/>
+                <a:cs typeface="+mn-cs"/>
+              </a:defRPr>
+            </a:lvl6pPr>
+            <a:lvl7pPr marL="2971800" indent="-228600" algn="l" defTabSz="914400" rtl="0" eaLnBrk="1" latinLnBrk="0" hangingPunct="1">
+              <a:lnSpc>
+                <a:spcPct val="90000"/>
+              </a:lnSpc>
+              <a:spcBef>
+                <a:spcPts val="500"/>
+              </a:spcBef>
+              <a:buFont typeface="Arial" panose="020B0604020202020204" pitchFamily="34" charset="0"/>
+              <a:buChar char="•"/>
+              <a:defRPr sz="1800" kern="1200">
+                <a:solidFill>
+                  <a:schemeClr val="tx1"/>
+                </a:solidFill>
+                <a:latin typeface="+mn-lt"/>
+                <a:ea typeface="+mn-ea"/>
+                <a:cs typeface="+mn-cs"/>
+              </a:defRPr>
+            </a:lvl7pPr>
+            <a:lvl8pPr marL="3429000" indent="-228600" algn="l" defTabSz="914400" rtl="0" eaLnBrk="1" latinLnBrk="0" hangingPunct="1">
+              <a:lnSpc>
+                <a:spcPct val="90000"/>
+              </a:lnSpc>
+              <a:spcBef>
+                <a:spcPts val="500"/>
+              </a:spcBef>
+              <a:buFont typeface="Arial" panose="020B0604020202020204" pitchFamily="34" charset="0"/>
+              <a:buChar char="•"/>
+              <a:defRPr sz="1800" kern="1200">
+                <a:solidFill>
+                  <a:schemeClr val="tx1"/>
+                </a:solidFill>
+                <a:latin typeface="+mn-lt"/>
+                <a:ea typeface="+mn-ea"/>
+                <a:cs typeface="+mn-cs"/>
+              </a:defRPr>
+            </a:lvl8pPr>
+            <a:lvl9pPr marL="3886200" indent="-228600" algn="l" defTabSz="914400" rtl="0" eaLnBrk="1" latinLnBrk="0" hangingPunct="1">
+              <a:lnSpc>
+                <a:spcPct val="90000"/>
+              </a:lnSpc>
+              <a:spcBef>
+                <a:spcPts val="500"/>
+              </a:spcBef>
+              <a:buFont typeface="Arial" panose="020B0604020202020204" pitchFamily="34" charset="0"/>
+              <a:buChar char="•"/>
+              <a:defRPr sz="1800" kern="1200">
+                <a:solidFill>
+                  <a:schemeClr val="tx1"/>
+                </a:solidFill>
+                <a:latin typeface="+mn-lt"/>
+                <a:ea typeface="+mn-ea"/>
+                <a:cs typeface="+mn-cs"/>
+              </a:defRPr>
+            </a:lvl9pPr>
+          </a:lstStyle>
+          <a:p>
+            <a:pPr marL="0" indent="0" algn="ctr">
+              <a:lnSpc>
+                <a:spcPct val="150000"/>
+              </a:lnSpc>
+              <a:buClr>
+                <a:schemeClr val="accent3"/>
+              </a:buClr>
+              <a:buNone/>
+            </a:pPr>
+            <a:r>
+              <a:rPr lang="en-US" sz="2400" dirty="0">
+                <a:solidFill>
+                  <a:schemeClr val="tx1"/>
+                </a:solidFill>
+              </a:rPr>
+              <a:t>General Model</a:t>
+            </a:r>
+          </a:p>
+          <a:p>
+            <a:pPr marL="0" indent="0" algn="ctr">
+              <a:lnSpc>
+                <a:spcPct val="100000"/>
+              </a:lnSpc>
+              <a:spcBef>
+                <a:spcPts val="0"/>
+              </a:spcBef>
+              <a:buClr>
+                <a:schemeClr val="accent3"/>
+              </a:buClr>
+              <a:buNone/>
+            </a:pPr>
+            <a:r>
+              <a:rPr lang="en-US" sz="2400" b="1" dirty="0">
+                <a:solidFill>
+                  <a:schemeClr val="tx2"/>
+                </a:solidFill>
+              </a:rPr>
+              <a:t>Lift* = 1.074</a:t>
+            </a:r>
+          </a:p>
+          <a:p>
+            <a:pPr marL="0" indent="0" algn="ctr">
+              <a:lnSpc>
+                <a:spcPct val="100000"/>
+              </a:lnSpc>
+              <a:spcBef>
+                <a:spcPts val="0"/>
+              </a:spcBef>
+              <a:buClr>
+                <a:schemeClr val="accent3"/>
+              </a:buClr>
+              <a:buNone/>
+            </a:pPr>
+            <a:r>
+              <a:rPr lang="en-US" sz="2400" dirty="0">
+                <a:solidFill>
+                  <a:schemeClr val="tx2"/>
+                </a:solidFill>
+              </a:rPr>
+              <a:t>AUC = 60.3% </a:t>
+            </a:r>
+          </a:p>
+        </p:txBody>
+      </p:sp>
+      <p:sp>
+        <p:nvSpPr>
+          <p:cNvPr id="24" name="Text Placeholder 6">
+            <a:extLst>
+              <a:ext uri="{FF2B5EF4-FFF2-40B4-BE49-F238E27FC236}">
+                <a16:creationId xmlns:a16="http://schemas.microsoft.com/office/drawing/2014/main" id="{62DDBE1E-D7A9-4771-204C-0663A357BAC5}"/>
+              </a:ext>
+            </a:extLst>
+          </p:cNvPr>
+          <p:cNvSpPr txBox="1">
+            <a:spLocks/>
+          </p:cNvSpPr>
+          <p:nvPr/>
+        </p:nvSpPr>
+        <p:spPr>
+          <a:xfrm>
+            <a:off x="9055688" y="3472225"/>
+            <a:ext cx="2640808" cy="493282"/>
+          </a:xfrm>
+          <a:prstGeom prst="rect">
+            <a:avLst/>
+          </a:prstGeom>
+          <a:solidFill>
+            <a:schemeClr val="tx2">
+              <a:lumMod val="20000"/>
+              <a:lumOff val="80000"/>
+            </a:schemeClr>
+          </a:solidFill>
+          <a:ln w="28575">
+            <a:noFill/>
+          </a:ln>
+        </p:spPr>
+        <p:txBody>
+          <a:bodyPr vert="horz" lIns="91440" tIns="45720" rIns="91440" bIns="45720" rtlCol="0" anchor="ctr">
+            <a:noAutofit/>
+          </a:bodyPr>
+          <a:lstStyle>
+            <a:lvl1pPr marL="0" indent="0" algn="l" defTabSz="914400" rtl="0" eaLnBrk="1" latinLnBrk="0" hangingPunct="1">
+              <a:lnSpc>
+                <a:spcPct val="90000"/>
+              </a:lnSpc>
+              <a:spcBef>
+                <a:spcPts val="1000"/>
+              </a:spcBef>
+              <a:buFont typeface="Arial" panose="020B0604020202020204" pitchFamily="34" charset="0"/>
+              <a:buNone/>
+              <a:defRPr sz="2400" b="1" kern="1200">
+                <a:solidFill>
+                  <a:srgbClr val="837D78"/>
+                </a:solidFill>
+                <a:latin typeface="Arial" panose="020B0604020202020204" pitchFamily="34" charset="0"/>
+                <a:ea typeface="+mn-ea"/>
+                <a:cs typeface="Arial" panose="020B0604020202020204" pitchFamily="34" charset="0"/>
+              </a:defRPr>
+            </a:lvl1pPr>
+            <a:lvl2pPr marL="457200" indent="0" algn="l" defTabSz="914400" rtl="0" eaLnBrk="1" latinLnBrk="0" hangingPunct="1">
+              <a:lnSpc>
+                <a:spcPct val="90000"/>
+              </a:lnSpc>
+              <a:spcBef>
+                <a:spcPts val="500"/>
+              </a:spcBef>
+              <a:buFont typeface="Arial" panose="020B0604020202020204" pitchFamily="34" charset="0"/>
+              <a:buNone/>
+              <a:defRPr sz="2000" b="1" kern="1200">
+                <a:solidFill>
+                  <a:srgbClr val="837D78"/>
+                </a:solidFill>
+                <a:latin typeface="Arial" panose="020B0604020202020204" pitchFamily="34" charset="0"/>
+                <a:ea typeface="+mn-ea"/>
+                <a:cs typeface="Arial" panose="020B0604020202020204" pitchFamily="34" charset="0"/>
+              </a:defRPr>
+            </a:lvl2pPr>
+            <a:lvl3pPr marL="914400" indent="0" algn="l" defTabSz="914400" rtl="0" eaLnBrk="1" latinLnBrk="0" hangingPunct="1">
+              <a:lnSpc>
+                <a:spcPct val="90000"/>
+              </a:lnSpc>
+              <a:spcBef>
+                <a:spcPts val="500"/>
+              </a:spcBef>
+              <a:buFont typeface="Arial" panose="020B0604020202020204" pitchFamily="34" charset="0"/>
+              <a:buNone/>
+              <a:defRPr sz="1800" b="1" kern="1200">
+                <a:solidFill>
+                  <a:srgbClr val="837D78"/>
+                </a:solidFill>
+                <a:latin typeface="Arial" panose="020B0604020202020204" pitchFamily="34" charset="0"/>
+                <a:ea typeface="+mn-ea"/>
+                <a:cs typeface="Arial" panose="020B0604020202020204" pitchFamily="34" charset="0"/>
+              </a:defRPr>
+            </a:lvl3pPr>
+            <a:lvl4pPr marL="1371600" indent="0" algn="l" defTabSz="914400" rtl="0" eaLnBrk="1" latinLnBrk="0" hangingPunct="1">
+              <a:lnSpc>
+                <a:spcPct val="90000"/>
+              </a:lnSpc>
+              <a:spcBef>
+                <a:spcPts val="500"/>
+              </a:spcBef>
+              <a:buFont typeface="Arial" panose="020B0604020202020204" pitchFamily="34" charset="0"/>
+              <a:buNone/>
+              <a:defRPr sz="1600" b="1" kern="1200">
+                <a:solidFill>
+                  <a:srgbClr val="837D78"/>
+                </a:solidFill>
+                <a:latin typeface="Arial" panose="020B0604020202020204" pitchFamily="34" charset="0"/>
+                <a:ea typeface="+mn-ea"/>
+                <a:cs typeface="Arial" panose="020B0604020202020204" pitchFamily="34" charset="0"/>
+              </a:defRPr>
+            </a:lvl4pPr>
+            <a:lvl5pPr marL="1828800" indent="0" algn="l" defTabSz="914400" rtl="0" eaLnBrk="1" latinLnBrk="0" hangingPunct="1">
+              <a:lnSpc>
+                <a:spcPct val="90000"/>
+              </a:lnSpc>
+              <a:spcBef>
+                <a:spcPts val="500"/>
+              </a:spcBef>
+              <a:buFont typeface="Arial" panose="020B0604020202020204" pitchFamily="34" charset="0"/>
+              <a:buNone/>
+              <a:defRPr sz="1600" b="1" kern="1200">
+                <a:solidFill>
+                  <a:srgbClr val="837D78"/>
+                </a:solidFill>
+                <a:latin typeface="Arial" panose="020B0604020202020204" pitchFamily="34" charset="0"/>
+                <a:ea typeface="+mn-ea"/>
+                <a:cs typeface="Arial" panose="020B0604020202020204" pitchFamily="34" charset="0"/>
+              </a:defRPr>
+            </a:lvl5pPr>
+            <a:lvl6pPr marL="2286000" indent="0" algn="l" defTabSz="914400" rtl="0" eaLnBrk="1" latinLnBrk="0" hangingPunct="1">
+              <a:lnSpc>
+                <a:spcPct val="90000"/>
+              </a:lnSpc>
+              <a:spcBef>
+                <a:spcPts val="500"/>
+              </a:spcBef>
+              <a:buFont typeface="Arial" panose="020B0604020202020204" pitchFamily="34" charset="0"/>
+              <a:buNone/>
+              <a:defRPr sz="1600" b="1" kern="1200">
+                <a:solidFill>
+                  <a:schemeClr val="tx1"/>
+                </a:solidFill>
+                <a:latin typeface="+mn-lt"/>
+                <a:ea typeface="+mn-ea"/>
+                <a:cs typeface="+mn-cs"/>
+              </a:defRPr>
+            </a:lvl6pPr>
+            <a:lvl7pPr marL="2743200" indent="0" algn="l" defTabSz="914400" rtl="0" eaLnBrk="1" latinLnBrk="0" hangingPunct="1">
+              <a:lnSpc>
+                <a:spcPct val="90000"/>
+              </a:lnSpc>
+              <a:spcBef>
+                <a:spcPts val="500"/>
+              </a:spcBef>
+              <a:buFont typeface="Arial" panose="020B0604020202020204" pitchFamily="34" charset="0"/>
+              <a:buNone/>
+              <a:defRPr sz="1600" b="1" kern="1200">
+                <a:solidFill>
+                  <a:schemeClr val="tx1"/>
+                </a:solidFill>
+                <a:latin typeface="+mn-lt"/>
+                <a:ea typeface="+mn-ea"/>
+                <a:cs typeface="+mn-cs"/>
+              </a:defRPr>
+            </a:lvl7pPr>
+            <a:lvl8pPr marL="3200400" indent="0" algn="l" defTabSz="914400" rtl="0" eaLnBrk="1" latinLnBrk="0" hangingPunct="1">
+              <a:lnSpc>
+                <a:spcPct val="90000"/>
+              </a:lnSpc>
+              <a:spcBef>
+                <a:spcPts val="500"/>
+              </a:spcBef>
+              <a:buFont typeface="Arial" panose="020B0604020202020204" pitchFamily="34" charset="0"/>
+              <a:buNone/>
+              <a:defRPr sz="1600" b="1" kern="1200">
+                <a:solidFill>
+                  <a:schemeClr val="tx1"/>
+                </a:solidFill>
+                <a:latin typeface="+mn-lt"/>
+                <a:ea typeface="+mn-ea"/>
+                <a:cs typeface="+mn-cs"/>
+              </a:defRPr>
+            </a:lvl8pPr>
+            <a:lvl9pPr marL="3657600" indent="0" algn="l" defTabSz="914400" rtl="0" eaLnBrk="1" latinLnBrk="0" hangingPunct="1">
+              <a:lnSpc>
+                <a:spcPct val="90000"/>
+              </a:lnSpc>
+              <a:spcBef>
+                <a:spcPts val="500"/>
+              </a:spcBef>
+              <a:buFont typeface="Arial" panose="020B0604020202020204" pitchFamily="34" charset="0"/>
+              <a:buNone/>
+              <a:defRPr sz="1600" b="1" kern="1200">
+                <a:solidFill>
+                  <a:schemeClr val="tx1"/>
+                </a:solidFill>
+                <a:latin typeface="+mn-lt"/>
+                <a:ea typeface="+mn-ea"/>
+                <a:cs typeface="+mn-cs"/>
+              </a:defRPr>
+            </a:lvl9pPr>
+          </a:lstStyle>
+          <a:p>
+            <a:pPr algn="ctr"/>
+            <a:r>
+              <a:rPr lang="en-US" dirty="0">
+                <a:solidFill>
+                  <a:schemeClr val="tx2">
+                    <a:lumMod val="50000"/>
+                  </a:schemeClr>
+                </a:solidFill>
+              </a:rPr>
+              <a:t>Cluster</a:t>
+            </a:r>
+          </a:p>
+        </p:txBody>
+      </p:sp>
+      <p:sp>
+        <p:nvSpPr>
+          <p:cNvPr id="25" name="Text Placeholder 6">
+            <a:extLst>
+              <a:ext uri="{FF2B5EF4-FFF2-40B4-BE49-F238E27FC236}">
+                <a16:creationId xmlns:a16="http://schemas.microsoft.com/office/drawing/2014/main" id="{75BA82EC-06AA-75EE-D234-D5FA13390581}"/>
+              </a:ext>
+            </a:extLst>
+          </p:cNvPr>
+          <p:cNvSpPr txBox="1">
+            <a:spLocks/>
+          </p:cNvSpPr>
+          <p:nvPr/>
+        </p:nvSpPr>
+        <p:spPr>
+          <a:xfrm>
+            <a:off x="6202294" y="3472225"/>
+            <a:ext cx="2640808" cy="493282"/>
+          </a:xfrm>
+          <a:prstGeom prst="rect">
+            <a:avLst/>
+          </a:prstGeom>
+          <a:solidFill>
+            <a:schemeClr val="tx2">
+              <a:lumMod val="20000"/>
+              <a:lumOff val="80000"/>
+            </a:schemeClr>
+          </a:solidFill>
+          <a:ln w="28575">
+            <a:noFill/>
+          </a:ln>
+        </p:spPr>
+        <p:txBody>
+          <a:bodyPr vert="horz" lIns="91440" tIns="45720" rIns="91440" bIns="45720" rtlCol="0" anchor="ctr">
+            <a:noAutofit/>
+          </a:bodyPr>
+          <a:lstStyle>
+            <a:lvl1pPr marL="0" indent="0" algn="l" defTabSz="914400" rtl="0" eaLnBrk="1" latinLnBrk="0" hangingPunct="1">
+              <a:lnSpc>
+                <a:spcPct val="90000"/>
+              </a:lnSpc>
+              <a:spcBef>
+                <a:spcPts val="1000"/>
+              </a:spcBef>
+              <a:buFont typeface="Arial" panose="020B0604020202020204" pitchFamily="34" charset="0"/>
+              <a:buNone/>
+              <a:defRPr sz="2400" b="1" kern="1200">
+                <a:solidFill>
+                  <a:srgbClr val="837D78"/>
+                </a:solidFill>
+                <a:latin typeface="Arial" panose="020B0604020202020204" pitchFamily="34" charset="0"/>
+                <a:ea typeface="+mn-ea"/>
+                <a:cs typeface="Arial" panose="020B0604020202020204" pitchFamily="34" charset="0"/>
+              </a:defRPr>
+            </a:lvl1pPr>
+            <a:lvl2pPr marL="457200" indent="0" algn="l" defTabSz="914400" rtl="0" eaLnBrk="1" latinLnBrk="0" hangingPunct="1">
+              <a:lnSpc>
+                <a:spcPct val="90000"/>
+              </a:lnSpc>
+              <a:spcBef>
+                <a:spcPts val="500"/>
+              </a:spcBef>
+              <a:buFont typeface="Arial" panose="020B0604020202020204" pitchFamily="34" charset="0"/>
+              <a:buNone/>
+              <a:defRPr sz="2000" b="1" kern="1200">
+                <a:solidFill>
+                  <a:srgbClr val="837D78"/>
+                </a:solidFill>
+                <a:latin typeface="Arial" panose="020B0604020202020204" pitchFamily="34" charset="0"/>
+                <a:ea typeface="+mn-ea"/>
+                <a:cs typeface="Arial" panose="020B0604020202020204" pitchFamily="34" charset="0"/>
+              </a:defRPr>
+            </a:lvl2pPr>
+            <a:lvl3pPr marL="914400" indent="0" algn="l" defTabSz="914400" rtl="0" eaLnBrk="1" latinLnBrk="0" hangingPunct="1">
+              <a:lnSpc>
+                <a:spcPct val="90000"/>
+              </a:lnSpc>
+              <a:spcBef>
+                <a:spcPts val="500"/>
+              </a:spcBef>
+              <a:buFont typeface="Arial" panose="020B0604020202020204" pitchFamily="34" charset="0"/>
+              <a:buNone/>
+              <a:defRPr sz="1800" b="1" kern="1200">
+                <a:solidFill>
+                  <a:srgbClr val="837D78"/>
+                </a:solidFill>
+                <a:latin typeface="Arial" panose="020B0604020202020204" pitchFamily="34" charset="0"/>
+                <a:ea typeface="+mn-ea"/>
+                <a:cs typeface="Arial" panose="020B0604020202020204" pitchFamily="34" charset="0"/>
+              </a:defRPr>
+            </a:lvl3pPr>
+            <a:lvl4pPr marL="1371600" indent="0" algn="l" defTabSz="914400" rtl="0" eaLnBrk="1" latinLnBrk="0" hangingPunct="1">
+              <a:lnSpc>
+                <a:spcPct val="90000"/>
+              </a:lnSpc>
+              <a:spcBef>
+                <a:spcPts val="500"/>
+              </a:spcBef>
+              <a:buFont typeface="Arial" panose="020B0604020202020204" pitchFamily="34" charset="0"/>
+              <a:buNone/>
+              <a:defRPr sz="1600" b="1" kern="1200">
+                <a:solidFill>
+                  <a:srgbClr val="837D78"/>
+                </a:solidFill>
+                <a:latin typeface="Arial" panose="020B0604020202020204" pitchFamily="34" charset="0"/>
+                <a:ea typeface="+mn-ea"/>
+                <a:cs typeface="Arial" panose="020B0604020202020204" pitchFamily="34" charset="0"/>
+              </a:defRPr>
+            </a:lvl4pPr>
+            <a:lvl5pPr marL="1828800" indent="0" algn="l" defTabSz="914400" rtl="0" eaLnBrk="1" latinLnBrk="0" hangingPunct="1">
+              <a:lnSpc>
+                <a:spcPct val="90000"/>
+              </a:lnSpc>
+              <a:spcBef>
+                <a:spcPts val="500"/>
+              </a:spcBef>
+              <a:buFont typeface="Arial" panose="020B0604020202020204" pitchFamily="34" charset="0"/>
+              <a:buNone/>
+              <a:defRPr sz="1600" b="1" kern="1200">
+                <a:solidFill>
+                  <a:srgbClr val="837D78"/>
+                </a:solidFill>
+                <a:latin typeface="Arial" panose="020B0604020202020204" pitchFamily="34" charset="0"/>
+                <a:ea typeface="+mn-ea"/>
+                <a:cs typeface="Arial" panose="020B0604020202020204" pitchFamily="34" charset="0"/>
+              </a:defRPr>
+            </a:lvl5pPr>
+            <a:lvl6pPr marL="2286000" indent="0" algn="l" defTabSz="914400" rtl="0" eaLnBrk="1" latinLnBrk="0" hangingPunct="1">
+              <a:lnSpc>
+                <a:spcPct val="90000"/>
+              </a:lnSpc>
+              <a:spcBef>
+                <a:spcPts val="500"/>
+              </a:spcBef>
+              <a:buFont typeface="Arial" panose="020B0604020202020204" pitchFamily="34" charset="0"/>
+              <a:buNone/>
+              <a:defRPr sz="1600" b="1" kern="1200">
+                <a:solidFill>
+                  <a:schemeClr val="tx1"/>
+                </a:solidFill>
+                <a:latin typeface="+mn-lt"/>
+                <a:ea typeface="+mn-ea"/>
+                <a:cs typeface="+mn-cs"/>
+              </a:defRPr>
+            </a:lvl6pPr>
+            <a:lvl7pPr marL="2743200" indent="0" algn="l" defTabSz="914400" rtl="0" eaLnBrk="1" latinLnBrk="0" hangingPunct="1">
+              <a:lnSpc>
+                <a:spcPct val="90000"/>
+              </a:lnSpc>
+              <a:spcBef>
+                <a:spcPts val="500"/>
+              </a:spcBef>
+              <a:buFont typeface="Arial" panose="020B0604020202020204" pitchFamily="34" charset="0"/>
+              <a:buNone/>
+              <a:defRPr sz="1600" b="1" kern="1200">
+                <a:solidFill>
+                  <a:schemeClr val="tx1"/>
+                </a:solidFill>
+                <a:latin typeface="+mn-lt"/>
+                <a:ea typeface="+mn-ea"/>
+                <a:cs typeface="+mn-cs"/>
+              </a:defRPr>
+            </a:lvl7pPr>
+            <a:lvl8pPr marL="3200400" indent="0" algn="l" defTabSz="914400" rtl="0" eaLnBrk="1" latinLnBrk="0" hangingPunct="1">
+              <a:lnSpc>
+                <a:spcPct val="90000"/>
+              </a:lnSpc>
+              <a:spcBef>
+                <a:spcPts val="500"/>
+              </a:spcBef>
+              <a:buFont typeface="Arial" panose="020B0604020202020204" pitchFamily="34" charset="0"/>
+              <a:buNone/>
+              <a:defRPr sz="1600" b="1" kern="1200">
+                <a:solidFill>
+                  <a:schemeClr val="tx1"/>
+                </a:solidFill>
+                <a:latin typeface="+mn-lt"/>
+                <a:ea typeface="+mn-ea"/>
+                <a:cs typeface="+mn-cs"/>
+              </a:defRPr>
+            </a:lvl8pPr>
+            <a:lvl9pPr marL="3657600" indent="0" algn="l" defTabSz="914400" rtl="0" eaLnBrk="1" latinLnBrk="0" hangingPunct="1">
+              <a:lnSpc>
+                <a:spcPct val="90000"/>
+              </a:lnSpc>
+              <a:spcBef>
+                <a:spcPts val="500"/>
+              </a:spcBef>
+              <a:buFont typeface="Arial" panose="020B0604020202020204" pitchFamily="34" charset="0"/>
+              <a:buNone/>
+              <a:defRPr sz="1600" b="1" kern="1200">
+                <a:solidFill>
+                  <a:schemeClr val="tx1"/>
+                </a:solidFill>
+                <a:latin typeface="+mn-lt"/>
+                <a:ea typeface="+mn-ea"/>
+                <a:cs typeface="+mn-cs"/>
+              </a:defRPr>
+            </a:lvl9pPr>
+          </a:lstStyle>
+          <a:p>
+            <a:pPr algn="ctr"/>
+            <a:r>
+              <a:rPr lang="en-US" dirty="0">
+                <a:solidFill>
+                  <a:schemeClr val="tx2">
+                    <a:lumMod val="50000"/>
+                  </a:schemeClr>
+                </a:solidFill>
+              </a:rPr>
+              <a:t>Cluster</a:t>
+            </a:r>
+          </a:p>
+        </p:txBody>
+      </p:sp>
+      <p:sp>
+        <p:nvSpPr>
+          <p:cNvPr id="26" name="Text Placeholder 6">
+            <a:extLst>
+              <a:ext uri="{FF2B5EF4-FFF2-40B4-BE49-F238E27FC236}">
+                <a16:creationId xmlns:a16="http://schemas.microsoft.com/office/drawing/2014/main" id="{6D9E9BE4-B4BD-593D-AAFF-4BF83D3F1D38}"/>
+              </a:ext>
+            </a:extLst>
+          </p:cNvPr>
+          <p:cNvSpPr txBox="1">
+            <a:spLocks/>
+          </p:cNvSpPr>
+          <p:nvPr/>
+        </p:nvSpPr>
+        <p:spPr>
+          <a:xfrm>
+            <a:off x="3348899" y="3472225"/>
+            <a:ext cx="2640808" cy="493282"/>
+          </a:xfrm>
+          <a:prstGeom prst="rect">
+            <a:avLst/>
+          </a:prstGeom>
+          <a:solidFill>
+            <a:schemeClr val="tx2">
+              <a:lumMod val="20000"/>
+              <a:lumOff val="80000"/>
+            </a:schemeClr>
+          </a:solidFill>
+          <a:ln w="28575">
+            <a:noFill/>
+          </a:ln>
+        </p:spPr>
+        <p:txBody>
+          <a:bodyPr vert="horz" lIns="91440" tIns="45720" rIns="91440" bIns="45720" rtlCol="0" anchor="ctr">
+            <a:noAutofit/>
+          </a:bodyPr>
+          <a:lstStyle>
+            <a:lvl1pPr marL="0" indent="0" algn="l" defTabSz="914400" rtl="0" eaLnBrk="1" latinLnBrk="0" hangingPunct="1">
+              <a:lnSpc>
+                <a:spcPct val="90000"/>
+              </a:lnSpc>
+              <a:spcBef>
+                <a:spcPts val="1000"/>
+              </a:spcBef>
+              <a:buFont typeface="Arial" panose="020B0604020202020204" pitchFamily="34" charset="0"/>
+              <a:buNone/>
+              <a:defRPr sz="2400" b="1" kern="1200">
+                <a:solidFill>
+                  <a:srgbClr val="837D78"/>
+                </a:solidFill>
+                <a:latin typeface="Arial" panose="020B0604020202020204" pitchFamily="34" charset="0"/>
+                <a:ea typeface="+mn-ea"/>
+                <a:cs typeface="Arial" panose="020B0604020202020204" pitchFamily="34" charset="0"/>
+              </a:defRPr>
+            </a:lvl1pPr>
+            <a:lvl2pPr marL="457200" indent="0" algn="l" defTabSz="914400" rtl="0" eaLnBrk="1" latinLnBrk="0" hangingPunct="1">
+              <a:lnSpc>
+                <a:spcPct val="90000"/>
+              </a:lnSpc>
+              <a:spcBef>
+                <a:spcPts val="500"/>
+              </a:spcBef>
+              <a:buFont typeface="Arial" panose="020B0604020202020204" pitchFamily="34" charset="0"/>
+              <a:buNone/>
+              <a:defRPr sz="2000" b="1" kern="1200">
+                <a:solidFill>
+                  <a:srgbClr val="837D78"/>
+                </a:solidFill>
+                <a:latin typeface="Arial" panose="020B0604020202020204" pitchFamily="34" charset="0"/>
+                <a:ea typeface="+mn-ea"/>
+                <a:cs typeface="Arial" panose="020B0604020202020204" pitchFamily="34" charset="0"/>
+              </a:defRPr>
+            </a:lvl2pPr>
+            <a:lvl3pPr marL="914400" indent="0" algn="l" defTabSz="914400" rtl="0" eaLnBrk="1" latinLnBrk="0" hangingPunct="1">
+              <a:lnSpc>
+                <a:spcPct val="90000"/>
+              </a:lnSpc>
+              <a:spcBef>
+                <a:spcPts val="500"/>
+              </a:spcBef>
+              <a:buFont typeface="Arial" panose="020B0604020202020204" pitchFamily="34" charset="0"/>
+              <a:buNone/>
+              <a:defRPr sz="1800" b="1" kern="1200">
+                <a:solidFill>
+                  <a:srgbClr val="837D78"/>
+                </a:solidFill>
+                <a:latin typeface="Arial" panose="020B0604020202020204" pitchFamily="34" charset="0"/>
+                <a:ea typeface="+mn-ea"/>
+                <a:cs typeface="Arial" panose="020B0604020202020204" pitchFamily="34" charset="0"/>
+              </a:defRPr>
+            </a:lvl3pPr>
+            <a:lvl4pPr marL="1371600" indent="0" algn="l" defTabSz="914400" rtl="0" eaLnBrk="1" latinLnBrk="0" hangingPunct="1">
+              <a:lnSpc>
+                <a:spcPct val="90000"/>
+              </a:lnSpc>
+              <a:spcBef>
+                <a:spcPts val="500"/>
+              </a:spcBef>
+              <a:buFont typeface="Arial" panose="020B0604020202020204" pitchFamily="34" charset="0"/>
+              <a:buNone/>
+              <a:defRPr sz="1600" b="1" kern="1200">
+                <a:solidFill>
+                  <a:srgbClr val="837D78"/>
+                </a:solidFill>
+                <a:latin typeface="Arial" panose="020B0604020202020204" pitchFamily="34" charset="0"/>
+                <a:ea typeface="+mn-ea"/>
+                <a:cs typeface="Arial" panose="020B0604020202020204" pitchFamily="34" charset="0"/>
+              </a:defRPr>
+            </a:lvl4pPr>
+            <a:lvl5pPr marL="1828800" indent="0" algn="l" defTabSz="914400" rtl="0" eaLnBrk="1" latinLnBrk="0" hangingPunct="1">
+              <a:lnSpc>
+                <a:spcPct val="90000"/>
+              </a:lnSpc>
+              <a:spcBef>
+                <a:spcPts val="500"/>
+              </a:spcBef>
+              <a:buFont typeface="Arial" panose="020B0604020202020204" pitchFamily="34" charset="0"/>
+              <a:buNone/>
+              <a:defRPr sz="1600" b="1" kern="1200">
+                <a:solidFill>
+                  <a:srgbClr val="837D78"/>
+                </a:solidFill>
+                <a:latin typeface="Arial" panose="020B0604020202020204" pitchFamily="34" charset="0"/>
+                <a:ea typeface="+mn-ea"/>
+                <a:cs typeface="Arial" panose="020B0604020202020204" pitchFamily="34" charset="0"/>
+              </a:defRPr>
+            </a:lvl5pPr>
+            <a:lvl6pPr marL="2286000" indent="0" algn="l" defTabSz="914400" rtl="0" eaLnBrk="1" latinLnBrk="0" hangingPunct="1">
+              <a:lnSpc>
+                <a:spcPct val="90000"/>
+              </a:lnSpc>
+              <a:spcBef>
+                <a:spcPts val="500"/>
+              </a:spcBef>
+              <a:buFont typeface="Arial" panose="020B0604020202020204" pitchFamily="34" charset="0"/>
+              <a:buNone/>
+              <a:defRPr sz="1600" b="1" kern="1200">
+                <a:solidFill>
+                  <a:schemeClr val="tx1"/>
+                </a:solidFill>
+                <a:latin typeface="+mn-lt"/>
+                <a:ea typeface="+mn-ea"/>
+                <a:cs typeface="+mn-cs"/>
+              </a:defRPr>
+            </a:lvl6pPr>
+            <a:lvl7pPr marL="2743200" indent="0" algn="l" defTabSz="914400" rtl="0" eaLnBrk="1" latinLnBrk="0" hangingPunct="1">
+              <a:lnSpc>
+                <a:spcPct val="90000"/>
+              </a:lnSpc>
+              <a:spcBef>
+                <a:spcPts val="500"/>
+              </a:spcBef>
+              <a:buFont typeface="Arial" panose="020B0604020202020204" pitchFamily="34" charset="0"/>
+              <a:buNone/>
+              <a:defRPr sz="1600" b="1" kern="1200">
+                <a:solidFill>
+                  <a:schemeClr val="tx1"/>
+                </a:solidFill>
+                <a:latin typeface="+mn-lt"/>
+                <a:ea typeface="+mn-ea"/>
+                <a:cs typeface="+mn-cs"/>
+              </a:defRPr>
+            </a:lvl7pPr>
+            <a:lvl8pPr marL="3200400" indent="0" algn="l" defTabSz="914400" rtl="0" eaLnBrk="1" latinLnBrk="0" hangingPunct="1">
+              <a:lnSpc>
+                <a:spcPct val="90000"/>
+              </a:lnSpc>
+              <a:spcBef>
+                <a:spcPts val="500"/>
+              </a:spcBef>
+              <a:buFont typeface="Arial" panose="020B0604020202020204" pitchFamily="34" charset="0"/>
+              <a:buNone/>
+              <a:defRPr sz="1600" b="1" kern="1200">
+                <a:solidFill>
+                  <a:schemeClr val="tx1"/>
+                </a:solidFill>
+                <a:latin typeface="+mn-lt"/>
+                <a:ea typeface="+mn-ea"/>
+                <a:cs typeface="+mn-cs"/>
+              </a:defRPr>
+            </a:lvl8pPr>
+            <a:lvl9pPr marL="3657600" indent="0" algn="l" defTabSz="914400" rtl="0" eaLnBrk="1" latinLnBrk="0" hangingPunct="1">
+              <a:lnSpc>
+                <a:spcPct val="90000"/>
+              </a:lnSpc>
+              <a:spcBef>
+                <a:spcPts val="500"/>
+              </a:spcBef>
+              <a:buFont typeface="Arial" panose="020B0604020202020204" pitchFamily="34" charset="0"/>
+              <a:buNone/>
+              <a:defRPr sz="1600" b="1" kern="1200">
+                <a:solidFill>
+                  <a:schemeClr val="tx1"/>
+                </a:solidFill>
+                <a:latin typeface="+mn-lt"/>
+                <a:ea typeface="+mn-ea"/>
+                <a:cs typeface="+mn-cs"/>
+              </a:defRPr>
+            </a:lvl9pPr>
+          </a:lstStyle>
+          <a:p>
+            <a:pPr algn="ctr"/>
+            <a:r>
+              <a:rPr lang="en-US" dirty="0">
+                <a:solidFill>
+                  <a:schemeClr val="tx2">
+                    <a:lumMod val="50000"/>
+                  </a:schemeClr>
+                </a:solidFill>
+              </a:rPr>
+              <a:t>General</a:t>
+            </a:r>
+          </a:p>
+        </p:txBody>
+      </p:sp>
+      <p:sp>
+        <p:nvSpPr>
+          <p:cNvPr id="27" name="Text Placeholder 6">
+            <a:extLst>
+              <a:ext uri="{FF2B5EF4-FFF2-40B4-BE49-F238E27FC236}">
+                <a16:creationId xmlns:a16="http://schemas.microsoft.com/office/drawing/2014/main" id="{34116ABB-0EAA-FDC0-EB27-ECFD104EC3CF}"/>
+              </a:ext>
+            </a:extLst>
+          </p:cNvPr>
+          <p:cNvSpPr txBox="1">
+            <a:spLocks/>
+          </p:cNvSpPr>
+          <p:nvPr/>
+        </p:nvSpPr>
+        <p:spPr>
+          <a:xfrm>
+            <a:off x="501684" y="3472225"/>
+            <a:ext cx="2640808" cy="493282"/>
+          </a:xfrm>
+          <a:prstGeom prst="rect">
+            <a:avLst/>
+          </a:prstGeom>
+          <a:solidFill>
+            <a:schemeClr val="tx2">
+              <a:lumMod val="20000"/>
+              <a:lumOff val="80000"/>
+            </a:schemeClr>
+          </a:solidFill>
+          <a:ln w="28575">
+            <a:noFill/>
+          </a:ln>
+        </p:spPr>
+        <p:txBody>
+          <a:bodyPr vert="horz" lIns="91440" tIns="45720" rIns="91440" bIns="45720" rtlCol="0" anchor="ctr">
+            <a:noAutofit/>
+          </a:bodyPr>
+          <a:lstStyle>
+            <a:lvl1pPr marL="0" indent="0" algn="l" defTabSz="914400" rtl="0" eaLnBrk="1" latinLnBrk="0" hangingPunct="1">
+              <a:lnSpc>
+                <a:spcPct val="90000"/>
+              </a:lnSpc>
+              <a:spcBef>
+                <a:spcPts val="1000"/>
+              </a:spcBef>
+              <a:buFont typeface="Arial" panose="020B0604020202020204" pitchFamily="34" charset="0"/>
+              <a:buNone/>
+              <a:defRPr sz="2400" b="1" kern="1200">
+                <a:solidFill>
+                  <a:srgbClr val="837D78"/>
+                </a:solidFill>
+                <a:latin typeface="Arial" panose="020B0604020202020204" pitchFamily="34" charset="0"/>
+                <a:ea typeface="+mn-ea"/>
+                <a:cs typeface="Arial" panose="020B0604020202020204" pitchFamily="34" charset="0"/>
+              </a:defRPr>
+            </a:lvl1pPr>
+            <a:lvl2pPr marL="457200" indent="0" algn="l" defTabSz="914400" rtl="0" eaLnBrk="1" latinLnBrk="0" hangingPunct="1">
+              <a:lnSpc>
+                <a:spcPct val="90000"/>
+              </a:lnSpc>
+              <a:spcBef>
+                <a:spcPts val="500"/>
+              </a:spcBef>
+              <a:buFont typeface="Arial" panose="020B0604020202020204" pitchFamily="34" charset="0"/>
+              <a:buNone/>
+              <a:defRPr sz="2000" b="1" kern="1200">
+                <a:solidFill>
+                  <a:srgbClr val="837D78"/>
+                </a:solidFill>
+                <a:latin typeface="Arial" panose="020B0604020202020204" pitchFamily="34" charset="0"/>
+                <a:ea typeface="+mn-ea"/>
+                <a:cs typeface="Arial" panose="020B0604020202020204" pitchFamily="34" charset="0"/>
+              </a:defRPr>
+            </a:lvl2pPr>
+            <a:lvl3pPr marL="914400" indent="0" algn="l" defTabSz="914400" rtl="0" eaLnBrk="1" latinLnBrk="0" hangingPunct="1">
+              <a:lnSpc>
+                <a:spcPct val="90000"/>
+              </a:lnSpc>
+              <a:spcBef>
+                <a:spcPts val="500"/>
+              </a:spcBef>
+              <a:buFont typeface="Arial" panose="020B0604020202020204" pitchFamily="34" charset="0"/>
+              <a:buNone/>
+              <a:defRPr sz="1800" b="1" kern="1200">
+                <a:solidFill>
+                  <a:srgbClr val="837D78"/>
+                </a:solidFill>
+                <a:latin typeface="Arial" panose="020B0604020202020204" pitchFamily="34" charset="0"/>
+                <a:ea typeface="+mn-ea"/>
+                <a:cs typeface="Arial" panose="020B0604020202020204" pitchFamily="34" charset="0"/>
+              </a:defRPr>
+            </a:lvl3pPr>
+            <a:lvl4pPr marL="1371600" indent="0" algn="l" defTabSz="914400" rtl="0" eaLnBrk="1" latinLnBrk="0" hangingPunct="1">
+              <a:lnSpc>
+                <a:spcPct val="90000"/>
+              </a:lnSpc>
+              <a:spcBef>
+                <a:spcPts val="500"/>
+              </a:spcBef>
+              <a:buFont typeface="Arial" panose="020B0604020202020204" pitchFamily="34" charset="0"/>
+              <a:buNone/>
+              <a:defRPr sz="1600" b="1" kern="1200">
+                <a:solidFill>
+                  <a:srgbClr val="837D78"/>
+                </a:solidFill>
+                <a:latin typeface="Arial" panose="020B0604020202020204" pitchFamily="34" charset="0"/>
+                <a:ea typeface="+mn-ea"/>
+                <a:cs typeface="Arial" panose="020B0604020202020204" pitchFamily="34" charset="0"/>
+              </a:defRPr>
+            </a:lvl4pPr>
+            <a:lvl5pPr marL="1828800" indent="0" algn="l" defTabSz="914400" rtl="0" eaLnBrk="1" latinLnBrk="0" hangingPunct="1">
+              <a:lnSpc>
+                <a:spcPct val="90000"/>
+              </a:lnSpc>
+              <a:spcBef>
+                <a:spcPts val="500"/>
+              </a:spcBef>
+              <a:buFont typeface="Arial" panose="020B0604020202020204" pitchFamily="34" charset="0"/>
+              <a:buNone/>
+              <a:defRPr sz="1600" b="1" kern="1200">
+                <a:solidFill>
+                  <a:srgbClr val="837D78"/>
+                </a:solidFill>
+                <a:latin typeface="Arial" panose="020B0604020202020204" pitchFamily="34" charset="0"/>
+                <a:ea typeface="+mn-ea"/>
+                <a:cs typeface="Arial" panose="020B0604020202020204" pitchFamily="34" charset="0"/>
+              </a:defRPr>
+            </a:lvl5pPr>
+            <a:lvl6pPr marL="2286000" indent="0" algn="l" defTabSz="914400" rtl="0" eaLnBrk="1" latinLnBrk="0" hangingPunct="1">
+              <a:lnSpc>
+                <a:spcPct val="90000"/>
+              </a:lnSpc>
+              <a:spcBef>
+                <a:spcPts val="500"/>
+              </a:spcBef>
+              <a:buFont typeface="Arial" panose="020B0604020202020204" pitchFamily="34" charset="0"/>
+              <a:buNone/>
+              <a:defRPr sz="1600" b="1" kern="1200">
+                <a:solidFill>
+                  <a:schemeClr val="tx1"/>
+                </a:solidFill>
+                <a:latin typeface="+mn-lt"/>
+                <a:ea typeface="+mn-ea"/>
+                <a:cs typeface="+mn-cs"/>
+              </a:defRPr>
+            </a:lvl6pPr>
+            <a:lvl7pPr marL="2743200" indent="0" algn="l" defTabSz="914400" rtl="0" eaLnBrk="1" latinLnBrk="0" hangingPunct="1">
+              <a:lnSpc>
+                <a:spcPct val="90000"/>
+              </a:lnSpc>
+              <a:spcBef>
+                <a:spcPts val="500"/>
+              </a:spcBef>
+              <a:buFont typeface="Arial" panose="020B0604020202020204" pitchFamily="34" charset="0"/>
+              <a:buNone/>
+              <a:defRPr sz="1600" b="1" kern="1200">
+                <a:solidFill>
+                  <a:schemeClr val="tx1"/>
+                </a:solidFill>
+                <a:latin typeface="+mn-lt"/>
+                <a:ea typeface="+mn-ea"/>
+                <a:cs typeface="+mn-cs"/>
+              </a:defRPr>
+            </a:lvl7pPr>
+            <a:lvl8pPr marL="3200400" indent="0" algn="l" defTabSz="914400" rtl="0" eaLnBrk="1" latinLnBrk="0" hangingPunct="1">
+              <a:lnSpc>
+                <a:spcPct val="90000"/>
+              </a:lnSpc>
+              <a:spcBef>
+                <a:spcPts val="500"/>
+              </a:spcBef>
+              <a:buFont typeface="Arial" panose="020B0604020202020204" pitchFamily="34" charset="0"/>
+              <a:buNone/>
+              <a:defRPr sz="1600" b="1" kern="1200">
+                <a:solidFill>
+                  <a:schemeClr val="tx1"/>
+                </a:solidFill>
+                <a:latin typeface="+mn-lt"/>
+                <a:ea typeface="+mn-ea"/>
+                <a:cs typeface="+mn-cs"/>
+              </a:defRPr>
+            </a:lvl8pPr>
+            <a:lvl9pPr marL="3657600" indent="0" algn="l" defTabSz="914400" rtl="0" eaLnBrk="1" latinLnBrk="0" hangingPunct="1">
+              <a:lnSpc>
+                <a:spcPct val="90000"/>
+              </a:lnSpc>
+              <a:spcBef>
+                <a:spcPts val="500"/>
+              </a:spcBef>
+              <a:buFont typeface="Arial" panose="020B0604020202020204" pitchFamily="34" charset="0"/>
+              <a:buNone/>
+              <a:defRPr sz="1600" b="1" kern="1200">
+                <a:solidFill>
+                  <a:schemeClr val="tx1"/>
+                </a:solidFill>
+                <a:latin typeface="+mn-lt"/>
+                <a:ea typeface="+mn-ea"/>
+                <a:cs typeface="+mn-cs"/>
+              </a:defRPr>
+            </a:lvl9pPr>
+          </a:lstStyle>
+          <a:p>
+            <a:pPr algn="ctr"/>
+            <a:r>
+              <a:rPr lang="en-US" dirty="0">
+                <a:solidFill>
+                  <a:schemeClr val="tx2">
+                    <a:lumMod val="50000"/>
+                  </a:schemeClr>
+                </a:solidFill>
+              </a:rPr>
+              <a:t>Cluster</a:t>
             </a:r>
           </a:p>
         </p:txBody>
